--- a/DOCUMENTACION/tecnoweb.pptx
+++ b/DOCUMENTACION/tecnoweb.pptx
@@ -5,7 +5,7 @@
     <p:sldMasterId id="2147483672" r:id="rId1"/>
   </p:sldMasterIdLst>
   <p:notesMasterIdLst>
-    <p:notesMasterId r:id="rId27"/>
+    <p:notesMasterId r:id="rId24"/>
   </p:notesMasterIdLst>
   <p:sldIdLst>
     <p:sldId id="256" r:id="rId2"/>
@@ -24,60 +24,57 @@
     <p:sldId id="305" r:id="rId15"/>
     <p:sldId id="306" r:id="rId16"/>
     <p:sldId id="263" r:id="rId17"/>
-    <p:sldId id="307" r:id="rId18"/>
-    <p:sldId id="309" r:id="rId19"/>
-    <p:sldId id="308" r:id="rId20"/>
-    <p:sldId id="310" r:id="rId21"/>
-    <p:sldId id="314" r:id="rId22"/>
-    <p:sldId id="315" r:id="rId23"/>
-    <p:sldId id="312" r:id="rId24"/>
-    <p:sldId id="313" r:id="rId25"/>
-    <p:sldId id="311" r:id="rId26"/>
+    <p:sldId id="310" r:id="rId18"/>
+    <p:sldId id="314" r:id="rId19"/>
+    <p:sldId id="315" r:id="rId20"/>
+    <p:sldId id="312" r:id="rId21"/>
+    <p:sldId id="313" r:id="rId22"/>
+    <p:sldId id="311" r:id="rId23"/>
   </p:sldIdLst>
   <p:sldSz cx="9144000" cy="5143500" type="screen16x9"/>
   <p:notesSz cx="6858000" cy="9144000"/>
   <p:embeddedFontLst>
     <p:embeddedFont>
       <p:font typeface="Calibri" panose="020F0502020204030204" pitchFamily="34" charset="0"/>
-      <p:regular r:id="rId28"/>
-      <p:bold r:id="rId29"/>
-      <p:italic r:id="rId30"/>
-      <p:boldItalic r:id="rId31"/>
+      <p:regular r:id="rId25"/>
+      <p:bold r:id="rId26"/>
+      <p:italic r:id="rId27"/>
+      <p:boldItalic r:id="rId28"/>
     </p:embeddedFont>
     <p:embeddedFont>
       <p:font typeface="Calibri Light" panose="020F0302020204030204" pitchFamily="34" charset="0"/>
-      <p:regular r:id="rId32"/>
-      <p:italic r:id="rId33"/>
+      <p:regular r:id="rId29"/>
+      <p:italic r:id="rId30"/>
     </p:embeddedFont>
     <p:embeddedFont>
       <p:font typeface="Denk One" panose="020B0604020202020204" charset="0"/>
-      <p:regular r:id="rId34"/>
+      <p:regular r:id="rId31"/>
     </p:embeddedFont>
     <p:embeddedFont>
       <p:font typeface="Fira Sans Extra Condensed" panose="020B0503050000020004" pitchFamily="34" charset="0"/>
-      <p:regular r:id="rId35"/>
-      <p:bold r:id="rId36"/>
-      <p:italic r:id="rId37"/>
-      <p:boldItalic r:id="rId38"/>
+      <p:regular r:id="rId32"/>
+      <p:bold r:id="rId33"/>
+      <p:italic r:id="rId34"/>
+      <p:boldItalic r:id="rId35"/>
     </p:embeddedFont>
     <p:embeddedFont>
       <p:font typeface="Nunito Light" pitchFamily="2" charset="0"/>
-      <p:regular r:id="rId39"/>
-      <p:italic r:id="rId40"/>
+      <p:regular r:id="rId36"/>
+      <p:italic r:id="rId37"/>
     </p:embeddedFont>
     <p:embeddedFont>
       <p:font typeface="Quantico" panose="020B0604020202020204" charset="0"/>
-      <p:regular r:id="rId41"/>
-      <p:bold r:id="rId42"/>
-      <p:italic r:id="rId43"/>
-      <p:boldItalic r:id="rId44"/>
+      <p:regular r:id="rId38"/>
+      <p:bold r:id="rId39"/>
+      <p:italic r:id="rId40"/>
+      <p:boldItalic r:id="rId41"/>
     </p:embeddedFont>
     <p:embeddedFont>
       <p:font typeface="Source Code Pro" panose="020B0509030403020204" pitchFamily="49" charset="0"/>
-      <p:regular r:id="rId45"/>
-      <p:bold r:id="rId46"/>
-      <p:italic r:id="rId47"/>
-      <p:boldItalic r:id="rId48"/>
+      <p:regular r:id="rId42"/>
+      <p:bold r:id="rId43"/>
+      <p:italic r:id="rId44"/>
+      <p:boldItalic r:id="rId45"/>
     </p:embeddedFont>
   </p:embeddedFontLst>
   <p:defaultTextStyle>
@@ -1511,7 +1508,11 @@
               </a:spcAft>
               <a:buNone/>
             </a:pPr>
-            <a:endParaRPr/>
+            <a:r>
+              <a:rPr lang="es-419" dirty="0"/>
+              <a:t>Aye final</a:t>
+            </a:r>
+            <a:endParaRPr dirty="0"/>
           </a:p>
         </p:txBody>
       </p:sp>
@@ -1637,7 +1638,7 @@
   <p:cSld>
     <p:spTree>
       <p:nvGrpSpPr>
-        <p:cNvPr id="1" name="Shape 280"/>
+        <p:cNvPr id="1" name="Shape 261"/>
         <p:cNvGrpSpPr/>
         <p:nvPr/>
       </p:nvGrpSpPr>
@@ -1651,7 +1652,7 @@
       </p:grpSpPr>
       <p:sp>
         <p:nvSpPr>
-          <p:cNvPr id="281" name="Google Shape;281;gcc9050bdf8_0_241:notes"/>
+          <p:cNvPr id="262" name="Google Shape;262;gfd1541d378_0_560:notes"/>
           <p:cNvSpPr>
             <a:spLocks noGrp="1" noRot="1" noChangeAspect="1"/>
           </p:cNvSpPr>
@@ -1692,7 +1693,7 @@
       </p:sp>
       <p:sp>
         <p:nvSpPr>
-          <p:cNvPr id="282" name="Google Shape;282;gcc9050bdf8_0_241:notes"/>
+          <p:cNvPr id="263" name="Google Shape;263;gfd1541d378_0_560:notes"/>
           <p:cNvSpPr txBox="1">
             <a:spLocks noGrp="1"/>
           </p:cNvSpPr>
@@ -1731,7 +1732,7 @@
     </p:spTree>
     <p:extLst>
       <p:ext uri="{BB962C8B-B14F-4D97-AF65-F5344CB8AC3E}">
-        <p14:creationId xmlns:p14="http://schemas.microsoft.com/office/powerpoint/2010/main" val="4116560867"/>
+        <p14:creationId xmlns:p14="http://schemas.microsoft.com/office/powerpoint/2010/main" val="1159817327"/>
       </p:ext>
     </p:extLst>
   </p:cSld>
@@ -1746,7 +1747,7 @@
   <p:cSld>
     <p:spTree>
       <p:nvGrpSpPr>
-        <p:cNvPr id="1" name="Shape 280"/>
+        <p:cNvPr id="1" name="Shape 303"/>
         <p:cNvGrpSpPr/>
         <p:nvPr/>
       </p:nvGrpSpPr>
@@ -1760,7 +1761,7 @@
       </p:grpSpPr>
       <p:sp>
         <p:nvSpPr>
-          <p:cNvPr id="281" name="Google Shape;281;gcc9050bdf8_0_241:notes"/>
+          <p:cNvPr id="304" name="Google Shape;304;g21e5c6e8e05_0_27340:notes"/>
           <p:cNvSpPr>
             <a:spLocks noGrp="1" noRot="1" noChangeAspect="1"/>
           </p:cNvSpPr>
@@ -1801,7 +1802,7 @@
       </p:sp>
       <p:sp>
         <p:nvSpPr>
-          <p:cNvPr id="282" name="Google Shape;282;gcc9050bdf8_0_241:notes"/>
+          <p:cNvPr id="305" name="Google Shape;305;g21e5c6e8e05_0_27340:notes"/>
           <p:cNvSpPr txBox="1">
             <a:spLocks noGrp="1"/>
           </p:cNvSpPr>
@@ -1840,7 +1841,7 @@
     </p:spTree>
     <p:extLst>
       <p:ext uri="{BB962C8B-B14F-4D97-AF65-F5344CB8AC3E}">
-        <p14:creationId xmlns:p14="http://schemas.microsoft.com/office/powerpoint/2010/main" val="721090596"/>
+        <p14:creationId xmlns:p14="http://schemas.microsoft.com/office/powerpoint/2010/main" val="3384823571"/>
       </p:ext>
     </p:extLst>
   </p:cSld>
@@ -1855,7 +1856,7 @@
   <p:cSld>
     <p:spTree>
       <p:nvGrpSpPr>
-        <p:cNvPr id="1" name="Shape 280"/>
+        <p:cNvPr id="1" name="Shape 303"/>
         <p:cNvGrpSpPr/>
         <p:nvPr/>
       </p:nvGrpSpPr>
@@ -1869,7 +1870,7 @@
       </p:grpSpPr>
       <p:sp>
         <p:nvSpPr>
-          <p:cNvPr id="281" name="Google Shape;281;gcc9050bdf8_0_241:notes"/>
+          <p:cNvPr id="304" name="Google Shape;304;g21e5c6e8e05_0_27340:notes"/>
           <p:cNvSpPr>
             <a:spLocks noGrp="1" noRot="1" noChangeAspect="1"/>
           </p:cNvSpPr>
@@ -1910,7 +1911,7 @@
       </p:sp>
       <p:sp>
         <p:nvSpPr>
-          <p:cNvPr id="282" name="Google Shape;282;gcc9050bdf8_0_241:notes"/>
+          <p:cNvPr id="305" name="Google Shape;305;g21e5c6e8e05_0_27340:notes"/>
           <p:cNvSpPr txBox="1">
             <a:spLocks noGrp="1"/>
           </p:cNvSpPr>
@@ -1949,7 +1950,7 @@
     </p:spTree>
     <p:extLst>
       <p:ext uri="{BB962C8B-B14F-4D97-AF65-F5344CB8AC3E}">
-        <p14:creationId xmlns:p14="http://schemas.microsoft.com/office/powerpoint/2010/main" val="1992057967"/>
+        <p14:creationId xmlns:p14="http://schemas.microsoft.com/office/powerpoint/2010/main" val="4232699665"/>
       </p:ext>
     </p:extLst>
   </p:cSld>
@@ -2068,7 +2069,7 @@
   <p:cSld>
     <p:spTree>
       <p:nvGrpSpPr>
-        <p:cNvPr id="1" name="Shape 261"/>
+        <p:cNvPr id="1" name="Shape 502"/>
         <p:cNvGrpSpPr/>
         <p:nvPr/>
       </p:nvGrpSpPr>
@@ -2082,7 +2083,7 @@
       </p:grpSpPr>
       <p:sp>
         <p:nvSpPr>
-          <p:cNvPr id="262" name="Google Shape;262;gfd1541d378_0_560:notes"/>
+          <p:cNvPr id="503" name="Google Shape;503;g20f7af2584a_0_194:notes"/>
           <p:cNvSpPr>
             <a:spLocks noGrp="1" noRot="1" noChangeAspect="1"/>
           </p:cNvSpPr>
@@ -2123,7 +2124,7 @@
       </p:sp>
       <p:sp>
         <p:nvSpPr>
-          <p:cNvPr id="263" name="Google Shape;263;gfd1541d378_0_560:notes"/>
+          <p:cNvPr id="504" name="Google Shape;504;g20f7af2584a_0_194:notes"/>
           <p:cNvSpPr txBox="1">
             <a:spLocks noGrp="1"/>
           </p:cNvSpPr>
@@ -2162,7 +2163,7 @@
     </p:spTree>
     <p:extLst>
       <p:ext uri="{BB962C8B-B14F-4D97-AF65-F5344CB8AC3E}">
-        <p14:creationId xmlns:p14="http://schemas.microsoft.com/office/powerpoint/2010/main" val="1159817327"/>
+        <p14:creationId xmlns:p14="http://schemas.microsoft.com/office/powerpoint/2010/main" val="3897461378"/>
       </p:ext>
     </p:extLst>
   </p:cSld>
@@ -2271,7 +2272,7 @@
     </p:spTree>
     <p:extLst>
       <p:ext uri="{BB962C8B-B14F-4D97-AF65-F5344CB8AC3E}">
-        <p14:creationId xmlns:p14="http://schemas.microsoft.com/office/powerpoint/2010/main" val="3384823571"/>
+        <p14:creationId xmlns:p14="http://schemas.microsoft.com/office/powerpoint/2010/main" val="1511658603"/>
       </p:ext>
     </p:extLst>
   </p:cSld>
@@ -2282,333 +2283,6 @@
 </file>
 
 <file path=ppt/notesSlides/notesSlide22.xml><?xml version="1.0" encoding="utf-8"?>
-<p:notes xmlns:a="http://schemas.openxmlformats.org/drawingml/2006/main" xmlns:r="http://schemas.openxmlformats.org/officeDocument/2006/relationships" xmlns:p="http://schemas.openxmlformats.org/presentationml/2006/main" showMasterSp="0" showMasterPhAnim="0">
-  <p:cSld>
-    <p:spTree>
-      <p:nvGrpSpPr>
-        <p:cNvPr id="1" name="Shape 303"/>
-        <p:cNvGrpSpPr/>
-        <p:nvPr/>
-      </p:nvGrpSpPr>
-      <p:grpSpPr>
-        <a:xfrm>
-          <a:off x="0" y="0"/>
-          <a:ext cx="0" cy="0"/>
-          <a:chOff x="0" y="0"/>
-          <a:chExt cx="0" cy="0"/>
-        </a:xfrm>
-      </p:grpSpPr>
-      <p:sp>
-        <p:nvSpPr>
-          <p:cNvPr id="304" name="Google Shape;304;g21e5c6e8e05_0_27340:notes"/>
-          <p:cNvSpPr>
-            <a:spLocks noGrp="1" noRot="1" noChangeAspect="1"/>
-          </p:cNvSpPr>
-          <p:nvPr>
-            <p:ph type="sldImg" idx="2"/>
-          </p:nvPr>
-        </p:nvSpPr>
-        <p:spPr>
-          <a:xfrm>
-            <a:off x="381000" y="685800"/>
-            <a:ext cx="6096000" cy="3429000"/>
-          </a:xfrm>
-          <a:custGeom>
-            <a:avLst/>
-            <a:gdLst/>
-            <a:ahLst/>
-            <a:cxnLst/>
-            <a:rect l="l" t="t" r="r" b="b"/>
-            <a:pathLst>
-              <a:path w="120000" h="120000" extrusionOk="0">
-                <a:moveTo>
-                  <a:pt x="0" y="0"/>
-                </a:moveTo>
-                <a:lnTo>
-                  <a:pt x="120000" y="0"/>
-                </a:lnTo>
-                <a:lnTo>
-                  <a:pt x="120000" y="120000"/>
-                </a:lnTo>
-                <a:lnTo>
-                  <a:pt x="0" y="120000"/>
-                </a:lnTo>
-                <a:close/>
-              </a:path>
-            </a:pathLst>
-          </a:custGeom>
-        </p:spPr>
-      </p:sp>
-      <p:sp>
-        <p:nvSpPr>
-          <p:cNvPr id="305" name="Google Shape;305;g21e5c6e8e05_0_27340:notes"/>
-          <p:cNvSpPr txBox="1">
-            <a:spLocks noGrp="1"/>
-          </p:cNvSpPr>
-          <p:nvPr>
-            <p:ph type="body" idx="1"/>
-          </p:nvPr>
-        </p:nvSpPr>
-        <p:spPr>
-          <a:xfrm>
-            <a:off x="685800" y="4343400"/>
-            <a:ext cx="5486400" cy="4114800"/>
-          </a:xfrm>
-          <a:prstGeom prst="rect">
-            <a:avLst/>
-          </a:prstGeom>
-        </p:spPr>
-        <p:txBody>
-          <a:bodyPr spcFirstLastPara="1" wrap="square" lIns="91425" tIns="91425" rIns="91425" bIns="91425" anchor="t" anchorCtr="0">
-            <a:noAutofit/>
-          </a:bodyPr>
-          <a:lstStyle/>
-          <a:p>
-            <a:pPr marL="0" lvl="0" indent="0" algn="l" rtl="0">
-              <a:spcBef>
-                <a:spcPts val="0"/>
-              </a:spcBef>
-              <a:spcAft>
-                <a:spcPts val="0"/>
-              </a:spcAft>
-              <a:buNone/>
-            </a:pPr>
-            <a:endParaRPr/>
-          </a:p>
-        </p:txBody>
-      </p:sp>
-    </p:spTree>
-    <p:extLst>
-      <p:ext uri="{BB962C8B-B14F-4D97-AF65-F5344CB8AC3E}">
-        <p14:creationId xmlns:p14="http://schemas.microsoft.com/office/powerpoint/2010/main" val="4232699665"/>
-      </p:ext>
-    </p:extLst>
-  </p:cSld>
-  <p:clrMapOvr>
-    <a:masterClrMapping/>
-  </p:clrMapOvr>
-</p:notes>
-</file>
-
-<file path=ppt/notesSlides/notesSlide23.xml><?xml version="1.0" encoding="utf-8"?>
-<p:notes xmlns:a="http://schemas.openxmlformats.org/drawingml/2006/main" xmlns:r="http://schemas.openxmlformats.org/officeDocument/2006/relationships" xmlns:p="http://schemas.openxmlformats.org/presentationml/2006/main" showMasterSp="0" showMasterPhAnim="0">
-  <p:cSld>
-    <p:spTree>
-      <p:nvGrpSpPr>
-        <p:cNvPr id="1" name="Shape 502"/>
-        <p:cNvGrpSpPr/>
-        <p:nvPr/>
-      </p:nvGrpSpPr>
-      <p:grpSpPr>
-        <a:xfrm>
-          <a:off x="0" y="0"/>
-          <a:ext cx="0" cy="0"/>
-          <a:chOff x="0" y="0"/>
-          <a:chExt cx="0" cy="0"/>
-        </a:xfrm>
-      </p:grpSpPr>
-      <p:sp>
-        <p:nvSpPr>
-          <p:cNvPr id="503" name="Google Shape;503;g20f7af2584a_0_194:notes"/>
-          <p:cNvSpPr>
-            <a:spLocks noGrp="1" noRot="1" noChangeAspect="1"/>
-          </p:cNvSpPr>
-          <p:nvPr>
-            <p:ph type="sldImg" idx="2"/>
-          </p:nvPr>
-        </p:nvSpPr>
-        <p:spPr>
-          <a:xfrm>
-            <a:off x="381000" y="685800"/>
-            <a:ext cx="6096000" cy="3429000"/>
-          </a:xfrm>
-          <a:custGeom>
-            <a:avLst/>
-            <a:gdLst/>
-            <a:ahLst/>
-            <a:cxnLst/>
-            <a:rect l="l" t="t" r="r" b="b"/>
-            <a:pathLst>
-              <a:path w="120000" h="120000" extrusionOk="0">
-                <a:moveTo>
-                  <a:pt x="0" y="0"/>
-                </a:moveTo>
-                <a:lnTo>
-                  <a:pt x="120000" y="0"/>
-                </a:lnTo>
-                <a:lnTo>
-                  <a:pt x="120000" y="120000"/>
-                </a:lnTo>
-                <a:lnTo>
-                  <a:pt x="0" y="120000"/>
-                </a:lnTo>
-                <a:close/>
-              </a:path>
-            </a:pathLst>
-          </a:custGeom>
-        </p:spPr>
-      </p:sp>
-      <p:sp>
-        <p:nvSpPr>
-          <p:cNvPr id="504" name="Google Shape;504;g20f7af2584a_0_194:notes"/>
-          <p:cNvSpPr txBox="1">
-            <a:spLocks noGrp="1"/>
-          </p:cNvSpPr>
-          <p:nvPr>
-            <p:ph type="body" idx="1"/>
-          </p:nvPr>
-        </p:nvSpPr>
-        <p:spPr>
-          <a:xfrm>
-            <a:off x="685800" y="4343400"/>
-            <a:ext cx="5486400" cy="4114800"/>
-          </a:xfrm>
-          <a:prstGeom prst="rect">
-            <a:avLst/>
-          </a:prstGeom>
-        </p:spPr>
-        <p:txBody>
-          <a:bodyPr spcFirstLastPara="1" wrap="square" lIns="91425" tIns="91425" rIns="91425" bIns="91425" anchor="t" anchorCtr="0">
-            <a:noAutofit/>
-          </a:bodyPr>
-          <a:lstStyle/>
-          <a:p>
-            <a:pPr marL="0" lvl="0" indent="0" algn="l" rtl="0">
-              <a:spcBef>
-                <a:spcPts val="0"/>
-              </a:spcBef>
-              <a:spcAft>
-                <a:spcPts val="0"/>
-              </a:spcAft>
-              <a:buNone/>
-            </a:pPr>
-            <a:endParaRPr/>
-          </a:p>
-        </p:txBody>
-      </p:sp>
-    </p:spTree>
-    <p:extLst>
-      <p:ext uri="{BB962C8B-B14F-4D97-AF65-F5344CB8AC3E}">
-        <p14:creationId xmlns:p14="http://schemas.microsoft.com/office/powerpoint/2010/main" val="3897461378"/>
-      </p:ext>
-    </p:extLst>
-  </p:cSld>
-  <p:clrMapOvr>
-    <a:masterClrMapping/>
-  </p:clrMapOvr>
-</p:notes>
-</file>
-
-<file path=ppt/notesSlides/notesSlide24.xml><?xml version="1.0" encoding="utf-8"?>
-<p:notes xmlns:a="http://schemas.openxmlformats.org/drawingml/2006/main" xmlns:r="http://schemas.openxmlformats.org/officeDocument/2006/relationships" xmlns:p="http://schemas.openxmlformats.org/presentationml/2006/main" showMasterSp="0" showMasterPhAnim="0">
-  <p:cSld>
-    <p:spTree>
-      <p:nvGrpSpPr>
-        <p:cNvPr id="1" name="Shape 303"/>
-        <p:cNvGrpSpPr/>
-        <p:nvPr/>
-      </p:nvGrpSpPr>
-      <p:grpSpPr>
-        <a:xfrm>
-          <a:off x="0" y="0"/>
-          <a:ext cx="0" cy="0"/>
-          <a:chOff x="0" y="0"/>
-          <a:chExt cx="0" cy="0"/>
-        </a:xfrm>
-      </p:grpSpPr>
-      <p:sp>
-        <p:nvSpPr>
-          <p:cNvPr id="304" name="Google Shape;304;g21e5c6e8e05_0_27340:notes"/>
-          <p:cNvSpPr>
-            <a:spLocks noGrp="1" noRot="1" noChangeAspect="1"/>
-          </p:cNvSpPr>
-          <p:nvPr>
-            <p:ph type="sldImg" idx="2"/>
-          </p:nvPr>
-        </p:nvSpPr>
-        <p:spPr>
-          <a:xfrm>
-            <a:off x="381000" y="685800"/>
-            <a:ext cx="6096000" cy="3429000"/>
-          </a:xfrm>
-          <a:custGeom>
-            <a:avLst/>
-            <a:gdLst/>
-            <a:ahLst/>
-            <a:cxnLst/>
-            <a:rect l="l" t="t" r="r" b="b"/>
-            <a:pathLst>
-              <a:path w="120000" h="120000" extrusionOk="0">
-                <a:moveTo>
-                  <a:pt x="0" y="0"/>
-                </a:moveTo>
-                <a:lnTo>
-                  <a:pt x="120000" y="0"/>
-                </a:lnTo>
-                <a:lnTo>
-                  <a:pt x="120000" y="120000"/>
-                </a:lnTo>
-                <a:lnTo>
-                  <a:pt x="0" y="120000"/>
-                </a:lnTo>
-                <a:close/>
-              </a:path>
-            </a:pathLst>
-          </a:custGeom>
-        </p:spPr>
-      </p:sp>
-      <p:sp>
-        <p:nvSpPr>
-          <p:cNvPr id="305" name="Google Shape;305;g21e5c6e8e05_0_27340:notes"/>
-          <p:cNvSpPr txBox="1">
-            <a:spLocks noGrp="1"/>
-          </p:cNvSpPr>
-          <p:nvPr>
-            <p:ph type="body" idx="1"/>
-          </p:nvPr>
-        </p:nvSpPr>
-        <p:spPr>
-          <a:xfrm>
-            <a:off x="685800" y="4343400"/>
-            <a:ext cx="5486400" cy="4114800"/>
-          </a:xfrm>
-          <a:prstGeom prst="rect">
-            <a:avLst/>
-          </a:prstGeom>
-        </p:spPr>
-        <p:txBody>
-          <a:bodyPr spcFirstLastPara="1" wrap="square" lIns="91425" tIns="91425" rIns="91425" bIns="91425" anchor="t" anchorCtr="0">
-            <a:noAutofit/>
-          </a:bodyPr>
-          <a:lstStyle/>
-          <a:p>
-            <a:pPr marL="0" lvl="0" indent="0" algn="l" rtl="0">
-              <a:spcBef>
-                <a:spcPts val="0"/>
-              </a:spcBef>
-              <a:spcAft>
-                <a:spcPts val="0"/>
-              </a:spcAft>
-              <a:buNone/>
-            </a:pPr>
-            <a:endParaRPr/>
-          </a:p>
-        </p:txBody>
-      </p:sp>
-    </p:spTree>
-    <p:extLst>
-      <p:ext uri="{BB962C8B-B14F-4D97-AF65-F5344CB8AC3E}">
-        <p14:creationId xmlns:p14="http://schemas.microsoft.com/office/powerpoint/2010/main" val="1511658603"/>
-      </p:ext>
-    </p:extLst>
-  </p:cSld>
-  <p:clrMapOvr>
-    <a:masterClrMapping/>
-  </p:clrMapOvr>
-</p:notes>
-</file>
-
-<file path=ppt/notesSlides/notesSlide25.xml><?xml version="1.0" encoding="utf-8"?>
 <p:notes xmlns:a="http://schemas.openxmlformats.org/drawingml/2006/main" xmlns:r="http://schemas.openxmlformats.org/officeDocument/2006/relationships" xmlns:p="http://schemas.openxmlformats.org/presentationml/2006/main" showMasterSp="0" showMasterPhAnim="0">
   <p:cSld>
     <p:spTree>
@@ -3334,7 +3008,11 @@
               </a:spcAft>
               <a:buNone/>
             </a:pPr>
-            <a:endParaRPr/>
+            <a:r>
+              <a:rPr lang="es-419" dirty="0"/>
+              <a:t>Panda final</a:t>
+            </a:r>
+            <a:endParaRPr dirty="0"/>
           </a:p>
         </p:txBody>
       </p:sp>
@@ -18255,1270 +17933,6 @@
   <p:cSld>
     <p:spTree>
       <p:nvGrpSpPr>
-        <p:cNvPr id="1" name="Shape 283"/>
-        <p:cNvGrpSpPr/>
-        <p:nvPr/>
-      </p:nvGrpSpPr>
-      <p:grpSpPr>
-        <a:xfrm>
-          <a:off x="0" y="0"/>
-          <a:ext cx="0" cy="0"/>
-          <a:chOff x="0" y="0"/>
-          <a:chExt cx="0" cy="0"/>
-        </a:xfrm>
-      </p:grpSpPr>
-      <p:sp>
-        <p:nvSpPr>
-          <p:cNvPr id="284" name="Google Shape;284;p32"/>
-          <p:cNvSpPr txBox="1">
-            <a:spLocks noGrp="1"/>
-          </p:cNvSpPr>
-          <p:nvPr>
-            <p:ph type="title"/>
-          </p:nvPr>
-        </p:nvSpPr>
-        <p:spPr>
-          <a:xfrm>
-            <a:off x="507336" y="1743140"/>
-            <a:ext cx="7704000" cy="572700"/>
-          </a:xfrm>
-          <a:prstGeom prst="rect">
-            <a:avLst/>
-          </a:prstGeom>
-        </p:spPr>
-        <p:txBody>
-          <a:bodyPr spcFirstLastPara="1" wrap="square" lIns="91425" tIns="91425" rIns="91425" bIns="91425" anchor="t" anchorCtr="0">
-            <a:noAutofit/>
-          </a:bodyPr>
-          <a:lstStyle/>
-          <a:p>
-            <a:pPr algn="ctr"/>
-            <a:r>
-              <a:rPr lang="en" dirty="0">
-                <a:solidFill>
-                  <a:schemeClr val="lt2"/>
-                </a:solidFill>
-              </a:rPr>
-              <a:t>&lt;/ </a:t>
-            </a:r>
-            <a:r>
-              <a:rPr lang="es-BO" sz="4000" b="1" kern="100" dirty="0">
-                <a:effectLst/>
-                <a:latin typeface="Calibri" panose="020F0502020204030204" pitchFamily="34" charset="0"/>
-                <a:ea typeface="Calibri" panose="020F0502020204030204" pitchFamily="34" charset="0"/>
-                <a:cs typeface="Times New Roman" panose="02020603050405020304" pitchFamily="18" charset="0"/>
-              </a:rPr>
-              <a:t>En el código, se implementa y utiliza el patrón de Tarjetas (</a:t>
-            </a:r>
-            <a:r>
-              <a:rPr lang="es-BO" sz="4000" b="1" kern="100" dirty="0" err="1">
-                <a:effectLst/>
-                <a:latin typeface="Calibri" panose="020F0502020204030204" pitchFamily="34" charset="0"/>
-                <a:ea typeface="Calibri" panose="020F0502020204030204" pitchFamily="34" charset="0"/>
-                <a:cs typeface="Times New Roman" panose="02020603050405020304" pitchFamily="18" charset="0"/>
-              </a:rPr>
-              <a:t>Cards</a:t>
-            </a:r>
-            <a:r>
-              <a:rPr lang="es-BO" sz="4000" b="1" kern="100" dirty="0">
-                <a:effectLst/>
-                <a:latin typeface="Calibri" panose="020F0502020204030204" pitchFamily="34" charset="0"/>
-                <a:ea typeface="Calibri" panose="020F0502020204030204" pitchFamily="34" charset="0"/>
-                <a:cs typeface="Times New Roman" panose="02020603050405020304" pitchFamily="18" charset="0"/>
-              </a:rPr>
-              <a:t>) en las siguientes secciones:</a:t>
-            </a:r>
-            <a:br>
-              <a:rPr lang="es-BO" sz="1800" kern="100" dirty="0">
-                <a:effectLst/>
-                <a:latin typeface="Calibri" panose="020F0502020204030204" pitchFamily="34" charset="0"/>
-                <a:ea typeface="Calibri" panose="020F0502020204030204" pitchFamily="34" charset="0"/>
-                <a:cs typeface="Times New Roman" panose="02020603050405020304" pitchFamily="18" charset="0"/>
-              </a:rPr>
-            </a:br>
-            <a:endParaRPr dirty="0"/>
-          </a:p>
-        </p:txBody>
-      </p:sp>
-      <p:sp>
-        <p:nvSpPr>
-          <p:cNvPr id="289" name="Google Shape;289;p32"/>
-          <p:cNvSpPr txBox="1"/>
-          <p:nvPr/>
-        </p:nvSpPr>
-        <p:spPr>
-          <a:xfrm>
-            <a:off x="319580" y="432909"/>
-            <a:ext cx="1216800" cy="642000"/>
-          </a:xfrm>
-          <a:prstGeom prst="rect">
-            <a:avLst/>
-          </a:prstGeom>
-          <a:noFill/>
-          <a:ln>
-            <a:noFill/>
-          </a:ln>
-        </p:spPr>
-        <p:txBody>
-          <a:bodyPr spcFirstLastPara="1" wrap="square" lIns="91425" tIns="91425" rIns="91425" bIns="91425" anchor="t" anchorCtr="0">
-            <a:noAutofit/>
-          </a:bodyPr>
-          <a:lstStyle/>
-          <a:p>
-            <a:pPr marL="0" lvl="0" indent="0" algn="ctr" rtl="0">
-              <a:lnSpc>
-                <a:spcPct val="90000"/>
-              </a:lnSpc>
-              <a:spcBef>
-                <a:spcPts val="0"/>
-              </a:spcBef>
-              <a:spcAft>
-                <a:spcPts val="0"/>
-              </a:spcAft>
-              <a:buNone/>
-            </a:pPr>
-            <a:r>
-              <a:rPr lang="en" sz="3600" dirty="0">
-                <a:solidFill>
-                  <a:schemeClr val="accent2"/>
-                </a:solidFill>
-              </a:rPr>
-              <a:t>}</a:t>
-            </a:r>
-            <a:r>
-              <a:rPr lang="en" sz="3600" dirty="0">
-                <a:solidFill>
-                  <a:schemeClr val="dk1"/>
-                </a:solidFill>
-              </a:rPr>
-              <a:t> /&gt; </a:t>
-            </a:r>
-            <a:r>
-              <a:rPr lang="en" sz="3600" dirty="0">
-                <a:solidFill>
-                  <a:schemeClr val="accent1"/>
-                </a:solidFill>
-              </a:rPr>
-              <a:t>[</a:t>
-            </a:r>
-            <a:endParaRPr sz="3600" dirty="0">
-              <a:solidFill>
-                <a:schemeClr val="accent1"/>
-              </a:solidFill>
-            </a:endParaRPr>
-          </a:p>
-        </p:txBody>
-      </p:sp>
-      <p:sp>
-        <p:nvSpPr>
-          <p:cNvPr id="290" name="Google Shape;290;p32"/>
-          <p:cNvSpPr txBox="1"/>
-          <p:nvPr/>
-        </p:nvSpPr>
-        <p:spPr>
-          <a:xfrm>
-            <a:off x="7450397" y="3954427"/>
-            <a:ext cx="1216800" cy="642000"/>
-          </a:xfrm>
-          <a:prstGeom prst="rect">
-            <a:avLst/>
-          </a:prstGeom>
-          <a:noFill/>
-          <a:ln>
-            <a:noFill/>
-          </a:ln>
-        </p:spPr>
-        <p:txBody>
-          <a:bodyPr spcFirstLastPara="1" wrap="square" lIns="91425" tIns="91425" rIns="91425" bIns="91425" anchor="t" anchorCtr="0">
-            <a:noAutofit/>
-          </a:bodyPr>
-          <a:lstStyle/>
-          <a:p>
-            <a:pPr marL="0" lvl="0" indent="0" algn="ctr" rtl="0">
-              <a:lnSpc>
-                <a:spcPct val="90000"/>
-              </a:lnSpc>
-              <a:spcBef>
-                <a:spcPts val="0"/>
-              </a:spcBef>
-              <a:spcAft>
-                <a:spcPts val="0"/>
-              </a:spcAft>
-              <a:buNone/>
-            </a:pPr>
-            <a:r>
-              <a:rPr lang="en" sz="3600" dirty="0">
-                <a:solidFill>
-                  <a:schemeClr val="accent2"/>
-                </a:solidFill>
-              </a:rPr>
-              <a:t>/&gt;</a:t>
-            </a:r>
-            <a:r>
-              <a:rPr lang="en" sz="3600" dirty="0">
-                <a:solidFill>
-                  <a:schemeClr val="dk1"/>
-                </a:solidFill>
-              </a:rPr>
-              <a:t> **</a:t>
-            </a:r>
-            <a:endParaRPr sz="3600" dirty="0">
-              <a:solidFill>
-                <a:schemeClr val="accent1"/>
-              </a:solidFill>
-            </a:endParaRPr>
-          </a:p>
-        </p:txBody>
-      </p:sp>
-    </p:spTree>
-    <p:extLst>
-      <p:ext uri="{BB962C8B-B14F-4D97-AF65-F5344CB8AC3E}">
-        <p14:creationId xmlns:p14="http://schemas.microsoft.com/office/powerpoint/2010/main" val="618176532"/>
-      </p:ext>
-    </p:extLst>
-  </p:cSld>
-  <p:clrMapOvr>
-    <a:masterClrMapping/>
-  </p:clrMapOvr>
-</p:sld>
-</file>
-
-<file path=ppt/slides/slide18.xml><?xml version="1.0" encoding="utf-8"?>
-<p:sld xmlns:a="http://schemas.openxmlformats.org/drawingml/2006/main" xmlns:r="http://schemas.openxmlformats.org/officeDocument/2006/relationships" xmlns:p="http://schemas.openxmlformats.org/presentationml/2006/main">
-  <p:cSld>
-    <p:spTree>
-      <p:nvGrpSpPr>
-        <p:cNvPr id="1" name="Shape 283"/>
-        <p:cNvGrpSpPr/>
-        <p:nvPr/>
-      </p:nvGrpSpPr>
-      <p:grpSpPr>
-        <a:xfrm>
-          <a:off x="0" y="0"/>
-          <a:ext cx="0" cy="0"/>
-          <a:chOff x="0" y="0"/>
-          <a:chExt cx="0" cy="0"/>
-        </a:xfrm>
-      </p:grpSpPr>
-      <p:sp>
-        <p:nvSpPr>
-          <p:cNvPr id="287" name="Google Shape;287;p32"/>
-          <p:cNvSpPr txBox="1">
-            <a:spLocks noGrp="1"/>
-          </p:cNvSpPr>
-          <p:nvPr>
-            <p:ph type="subTitle" idx="1"/>
-          </p:nvPr>
-        </p:nvSpPr>
-        <p:spPr>
-          <a:xfrm>
-            <a:off x="919491" y="1430553"/>
-            <a:ext cx="7305017" cy="1989617"/>
-          </a:xfrm>
-          <a:prstGeom prst="rect">
-            <a:avLst/>
-          </a:prstGeom>
-        </p:spPr>
-        <p:txBody>
-          <a:bodyPr spcFirstLastPara="1" wrap="square" lIns="91425" tIns="91425" rIns="91425" bIns="91425" anchor="t" anchorCtr="0">
-            <a:noAutofit/>
-          </a:bodyPr>
-          <a:lstStyle/>
-          <a:p>
-            <a:pPr algn="just">
-              <a:lnSpc>
-                <a:spcPct val="115000"/>
-              </a:lnSpc>
-              <a:spcAft>
-                <a:spcPts val="800"/>
-              </a:spcAft>
-            </a:pPr>
-            <a:r>
-              <a:rPr lang="es-BO" sz="1800" b="1" kern="100" dirty="0">
-                <a:effectLst/>
-                <a:latin typeface="Calibri" panose="020F0502020204030204" pitchFamily="34" charset="0"/>
-                <a:ea typeface="Calibri" panose="020F0502020204030204" pitchFamily="34" charset="0"/>
-                <a:cs typeface="Times New Roman" panose="02020603050405020304" pitchFamily="18" charset="0"/>
-              </a:rPr>
-              <a:t>-Documento HTML</a:t>
-            </a:r>
-            <a:r>
-              <a:rPr lang="es-BO" sz="1800" kern="100" dirty="0">
-                <a:effectLst/>
-                <a:latin typeface="Calibri" panose="020F0502020204030204" pitchFamily="34" charset="0"/>
-                <a:ea typeface="Calibri" panose="020F0502020204030204" pitchFamily="34" charset="0"/>
-                <a:cs typeface="Times New Roman" panose="02020603050405020304" pitchFamily="18" charset="0"/>
-              </a:rPr>
-              <a:t>, donde se generan las tarjetas de los cursos.                                                                                                         -</a:t>
-            </a:r>
-            <a:r>
-              <a:rPr lang="es-BO" sz="1800" b="1" kern="100" dirty="0">
-                <a:effectLst/>
-                <a:latin typeface="Calibri" panose="020F0502020204030204" pitchFamily="34" charset="0"/>
-                <a:ea typeface="Calibri" panose="020F0502020204030204" pitchFamily="34" charset="0"/>
-                <a:cs typeface="Times New Roman" panose="02020603050405020304" pitchFamily="18" charset="0"/>
-              </a:rPr>
-              <a:t>Sección </a:t>
-            </a:r>
-            <a:r>
-              <a:rPr lang="es-BO" sz="1800" b="1" kern="100" dirty="0" err="1">
-                <a:effectLst/>
-                <a:latin typeface="Calibri" panose="020F0502020204030204" pitchFamily="34" charset="0"/>
-                <a:ea typeface="Calibri" panose="020F0502020204030204" pitchFamily="34" charset="0"/>
-                <a:cs typeface="Times New Roman" panose="02020603050405020304" pitchFamily="18" charset="0"/>
-              </a:rPr>
-              <a:t>Javascript</a:t>
-            </a:r>
-            <a:r>
-              <a:rPr lang="es-BO" sz="1800" b="1" kern="100" dirty="0">
-                <a:effectLst/>
-                <a:latin typeface="Calibri" panose="020F0502020204030204" pitchFamily="34" charset="0"/>
-                <a:ea typeface="Calibri" panose="020F0502020204030204" pitchFamily="34" charset="0"/>
-                <a:cs typeface="Times New Roman" panose="02020603050405020304" pitchFamily="18" charset="0"/>
-              </a:rPr>
-              <a:t> &lt;</a:t>
-            </a:r>
-            <a:r>
-              <a:rPr lang="es-BO" sz="1800" b="1" kern="100" dirty="0" err="1">
-                <a:effectLst/>
-                <a:latin typeface="Calibri" panose="020F0502020204030204" pitchFamily="34" charset="0"/>
-                <a:ea typeface="Calibri" panose="020F0502020204030204" pitchFamily="34" charset="0"/>
-                <a:cs typeface="Times New Roman" panose="02020603050405020304" pitchFamily="18" charset="0"/>
-              </a:rPr>
-              <a:t>div</a:t>
-            </a:r>
-            <a:r>
-              <a:rPr lang="es-BO" sz="1800" b="1" kern="100" dirty="0">
-                <a:effectLst/>
-                <a:latin typeface="Calibri" panose="020F0502020204030204" pitchFamily="34" charset="0"/>
-                <a:ea typeface="Calibri" panose="020F0502020204030204" pitchFamily="34" charset="0"/>
-                <a:cs typeface="Times New Roman" panose="02020603050405020304" pitchFamily="18" charset="0"/>
-              </a:rPr>
-              <a:t> </a:t>
-            </a:r>
-            <a:r>
-              <a:rPr lang="es-BO" sz="1800" b="1" kern="100" dirty="0" err="1">
-                <a:effectLst/>
-                <a:latin typeface="Calibri" panose="020F0502020204030204" pitchFamily="34" charset="0"/>
-                <a:ea typeface="Calibri" panose="020F0502020204030204" pitchFamily="34" charset="0"/>
-                <a:cs typeface="Times New Roman" panose="02020603050405020304" pitchFamily="18" charset="0"/>
-              </a:rPr>
-              <a:t>class</a:t>
-            </a:r>
-            <a:r>
-              <a:rPr lang="es-BO" sz="1800" b="1" kern="100" dirty="0">
-                <a:effectLst/>
-                <a:latin typeface="Calibri" panose="020F0502020204030204" pitchFamily="34" charset="0"/>
-                <a:ea typeface="Calibri" panose="020F0502020204030204" pitchFamily="34" charset="0"/>
-                <a:cs typeface="Times New Roman" panose="02020603050405020304" pitchFamily="18" charset="0"/>
-              </a:rPr>
-              <a:t>="</a:t>
-            </a:r>
-            <a:r>
-              <a:rPr lang="es-BO" sz="1800" b="1" kern="100" dirty="0" err="1">
-                <a:effectLst/>
-                <a:latin typeface="Calibri" panose="020F0502020204030204" pitchFamily="34" charset="0"/>
-                <a:ea typeface="Calibri" panose="020F0502020204030204" pitchFamily="34" charset="0"/>
-                <a:cs typeface="Times New Roman" panose="02020603050405020304" pitchFamily="18" charset="0"/>
-              </a:rPr>
-              <a:t>card</a:t>
-            </a:r>
-            <a:r>
-              <a:rPr lang="es-BO" sz="1800" b="1" kern="100" dirty="0">
-                <a:effectLst/>
-                <a:latin typeface="Calibri" panose="020F0502020204030204" pitchFamily="34" charset="0"/>
-                <a:ea typeface="Calibri" panose="020F0502020204030204" pitchFamily="34" charset="0"/>
-                <a:cs typeface="Times New Roman" panose="02020603050405020304" pitchFamily="18" charset="0"/>
-              </a:rPr>
-              <a:t>-container"&gt;,</a:t>
-            </a:r>
-            <a:r>
-              <a:rPr lang="es-BO" sz="1800" kern="100" dirty="0">
-                <a:effectLst/>
-                <a:latin typeface="Calibri" panose="020F0502020204030204" pitchFamily="34" charset="0"/>
-                <a:ea typeface="Calibri" panose="020F0502020204030204" pitchFamily="34" charset="0"/>
-                <a:cs typeface="Times New Roman" panose="02020603050405020304" pitchFamily="18" charset="0"/>
-              </a:rPr>
-              <a:t>es el contenedor donde se mostrarán las tarjetas, y se crea </a:t>
-            </a:r>
-            <a:r>
-              <a:rPr lang="es-BO" sz="1800" kern="100" dirty="0" err="1">
-                <a:effectLst/>
-                <a:latin typeface="Calibri" panose="020F0502020204030204" pitchFamily="34" charset="0"/>
-                <a:ea typeface="Calibri" panose="020F0502020204030204" pitchFamily="34" charset="0"/>
-                <a:cs typeface="Times New Roman" panose="02020603050405020304" pitchFamily="18" charset="0"/>
-              </a:rPr>
-              <a:t>forEach</a:t>
-            </a:r>
-            <a:r>
-              <a:rPr lang="es-BO" sz="1800" kern="100" dirty="0">
-                <a:effectLst/>
-                <a:latin typeface="Calibri" panose="020F0502020204030204" pitchFamily="34" charset="0"/>
-                <a:ea typeface="Calibri" panose="020F0502020204030204" pitchFamily="34" charset="0"/>
-                <a:cs typeface="Times New Roman" panose="02020603050405020304" pitchFamily="18" charset="0"/>
-              </a:rPr>
-              <a:t> para iterar sobre el arreglo de objetos cursos para que generen dinámicamente usando JavaScript y se agregan al contenedor utilizando el método </a:t>
-            </a:r>
-            <a:r>
-              <a:rPr lang="es-BO" sz="1800" kern="100" dirty="0" err="1">
-                <a:effectLst/>
-                <a:latin typeface="Calibri" panose="020F0502020204030204" pitchFamily="34" charset="0"/>
-                <a:ea typeface="Calibri" panose="020F0502020204030204" pitchFamily="34" charset="0"/>
-                <a:cs typeface="Times New Roman" panose="02020603050405020304" pitchFamily="18" charset="0"/>
-              </a:rPr>
-              <a:t>appendChild</a:t>
-            </a:r>
-            <a:r>
-              <a:rPr lang="es-BO" sz="1800" kern="100" dirty="0">
-                <a:effectLst/>
-                <a:latin typeface="Calibri" panose="020F0502020204030204" pitchFamily="34" charset="0"/>
-                <a:ea typeface="Calibri" panose="020F0502020204030204" pitchFamily="34" charset="0"/>
-                <a:cs typeface="Times New Roman" panose="02020603050405020304" pitchFamily="18" charset="0"/>
-              </a:rPr>
-              <a:t>. Cada tarjeta tiene la estructura y estilos definidos en la sección CSS correspondiente al patrón.                                                                                                                                                                                   </a:t>
-            </a:r>
-          </a:p>
-        </p:txBody>
-      </p:sp>
-      <p:sp>
-        <p:nvSpPr>
-          <p:cNvPr id="289" name="Google Shape;289;p32"/>
-          <p:cNvSpPr txBox="1"/>
-          <p:nvPr/>
-        </p:nvSpPr>
-        <p:spPr>
-          <a:xfrm>
-            <a:off x="7400863" y="3877857"/>
-            <a:ext cx="1216800" cy="642000"/>
-          </a:xfrm>
-          <a:prstGeom prst="rect">
-            <a:avLst/>
-          </a:prstGeom>
-          <a:noFill/>
-          <a:ln>
-            <a:noFill/>
-          </a:ln>
-        </p:spPr>
-        <p:txBody>
-          <a:bodyPr spcFirstLastPara="1" wrap="square" lIns="91425" tIns="91425" rIns="91425" bIns="91425" anchor="t" anchorCtr="0">
-            <a:noAutofit/>
-          </a:bodyPr>
-          <a:lstStyle/>
-          <a:p>
-            <a:pPr marL="0" lvl="0" indent="0" algn="ctr" rtl="0">
-              <a:lnSpc>
-                <a:spcPct val="90000"/>
-              </a:lnSpc>
-              <a:spcBef>
-                <a:spcPts val="0"/>
-              </a:spcBef>
-              <a:spcAft>
-                <a:spcPts val="0"/>
-              </a:spcAft>
-              <a:buNone/>
-            </a:pPr>
-            <a:r>
-              <a:rPr lang="en" sz="3600" dirty="0">
-                <a:solidFill>
-                  <a:schemeClr val="accent2"/>
-                </a:solidFill>
-              </a:rPr>
-              <a:t>}</a:t>
-            </a:r>
-            <a:r>
-              <a:rPr lang="en" sz="3600" dirty="0">
-                <a:solidFill>
-                  <a:schemeClr val="dk1"/>
-                </a:solidFill>
-              </a:rPr>
-              <a:t> /&gt; </a:t>
-            </a:r>
-            <a:r>
-              <a:rPr lang="en" sz="3600" dirty="0">
-                <a:solidFill>
-                  <a:schemeClr val="accent1"/>
-                </a:solidFill>
-              </a:rPr>
-              <a:t>[</a:t>
-            </a:r>
-            <a:endParaRPr sz="3600" dirty="0">
-              <a:solidFill>
-                <a:schemeClr val="accent1"/>
-              </a:solidFill>
-            </a:endParaRPr>
-          </a:p>
-        </p:txBody>
-      </p:sp>
-      <p:sp>
-        <p:nvSpPr>
-          <p:cNvPr id="290" name="Google Shape;290;p32"/>
-          <p:cNvSpPr txBox="1"/>
-          <p:nvPr/>
-        </p:nvSpPr>
-        <p:spPr>
-          <a:xfrm>
-            <a:off x="517969" y="509478"/>
-            <a:ext cx="1216800" cy="642000"/>
-          </a:xfrm>
-          <a:prstGeom prst="rect">
-            <a:avLst/>
-          </a:prstGeom>
-          <a:noFill/>
-          <a:ln>
-            <a:noFill/>
-          </a:ln>
-        </p:spPr>
-        <p:txBody>
-          <a:bodyPr spcFirstLastPara="1" wrap="square" lIns="91425" tIns="91425" rIns="91425" bIns="91425" anchor="t" anchorCtr="0">
-            <a:noAutofit/>
-          </a:bodyPr>
-          <a:lstStyle/>
-          <a:p>
-            <a:pPr marL="0" lvl="0" indent="0" algn="ctr" rtl="0">
-              <a:lnSpc>
-                <a:spcPct val="90000"/>
-              </a:lnSpc>
-              <a:spcBef>
-                <a:spcPts val="0"/>
-              </a:spcBef>
-              <a:spcAft>
-                <a:spcPts val="0"/>
-              </a:spcAft>
-              <a:buNone/>
-            </a:pPr>
-            <a:r>
-              <a:rPr lang="en" sz="3600" dirty="0">
-                <a:solidFill>
-                  <a:schemeClr val="accent2"/>
-                </a:solidFill>
-              </a:rPr>
-              <a:t>/&gt;</a:t>
-            </a:r>
-            <a:r>
-              <a:rPr lang="en" sz="3600" dirty="0">
-                <a:solidFill>
-                  <a:schemeClr val="dk1"/>
-                </a:solidFill>
-              </a:rPr>
-              <a:t> **</a:t>
-            </a:r>
-            <a:endParaRPr sz="3600" dirty="0">
-              <a:solidFill>
-                <a:schemeClr val="accent1"/>
-              </a:solidFill>
-            </a:endParaRPr>
-          </a:p>
-        </p:txBody>
-      </p:sp>
-    </p:spTree>
-    <p:extLst>
-      <p:ext uri="{BB962C8B-B14F-4D97-AF65-F5344CB8AC3E}">
-        <p14:creationId xmlns:p14="http://schemas.microsoft.com/office/powerpoint/2010/main" val="1804472299"/>
-      </p:ext>
-    </p:extLst>
-  </p:cSld>
-  <p:clrMapOvr>
-    <a:masterClrMapping/>
-  </p:clrMapOvr>
-</p:sld>
-</file>
-
-<file path=ppt/slides/slide19.xml><?xml version="1.0" encoding="utf-8"?>
-<p:sld xmlns:a="http://schemas.openxmlformats.org/drawingml/2006/main" xmlns:r="http://schemas.openxmlformats.org/officeDocument/2006/relationships" xmlns:p="http://schemas.openxmlformats.org/presentationml/2006/main">
-  <p:cSld>
-    <p:spTree>
-      <p:nvGrpSpPr>
-        <p:cNvPr id="1" name="Shape 283"/>
-        <p:cNvGrpSpPr/>
-        <p:nvPr/>
-      </p:nvGrpSpPr>
-      <p:grpSpPr>
-        <a:xfrm>
-          <a:off x="0" y="0"/>
-          <a:ext cx="0" cy="0"/>
-          <a:chOff x="0" y="0"/>
-          <a:chExt cx="0" cy="0"/>
-        </a:xfrm>
-      </p:grpSpPr>
-      <p:sp>
-        <p:nvSpPr>
-          <p:cNvPr id="287" name="Google Shape;287;p32"/>
-          <p:cNvSpPr txBox="1">
-            <a:spLocks noGrp="1"/>
-          </p:cNvSpPr>
-          <p:nvPr>
-            <p:ph type="subTitle" idx="1"/>
-          </p:nvPr>
-        </p:nvSpPr>
-        <p:spPr>
-          <a:xfrm>
-            <a:off x="799939" y="1340071"/>
-            <a:ext cx="7305017" cy="1989617"/>
-          </a:xfrm>
-          <a:prstGeom prst="rect">
-            <a:avLst/>
-          </a:prstGeom>
-        </p:spPr>
-        <p:txBody>
-          <a:bodyPr spcFirstLastPara="1" wrap="square" lIns="91425" tIns="91425" rIns="91425" bIns="91425" anchor="t" anchorCtr="0">
-            <a:noAutofit/>
-          </a:bodyPr>
-          <a:lstStyle/>
-          <a:p>
-            <a:pPr algn="just">
-              <a:lnSpc>
-                <a:spcPct val="115000"/>
-              </a:lnSpc>
-              <a:spcAft>
-                <a:spcPts val="800"/>
-              </a:spcAft>
-            </a:pPr>
-            <a:r>
-              <a:rPr lang="es-BO" sz="1800" kern="100" dirty="0">
-                <a:effectLst/>
-                <a:latin typeface="Calibri" panose="020F0502020204030204" pitchFamily="34" charset="0"/>
-                <a:ea typeface="Calibri" panose="020F0502020204030204" pitchFamily="34" charset="0"/>
-                <a:cs typeface="Times New Roman" panose="02020603050405020304" pitchFamily="18" charset="0"/>
-              </a:rPr>
-              <a:t>-</a:t>
-            </a:r>
-            <a:r>
-              <a:rPr lang="es-BO" sz="1800" b="1" kern="100" dirty="0" err="1">
-                <a:effectLst/>
-                <a:latin typeface="Calibri" panose="020F0502020204030204" pitchFamily="34" charset="0"/>
-                <a:ea typeface="Calibri" panose="020F0502020204030204" pitchFamily="34" charset="0"/>
-                <a:cs typeface="Times New Roman" panose="02020603050405020304" pitchFamily="18" charset="0"/>
-              </a:rPr>
-              <a:t>Seccion</a:t>
-            </a:r>
-            <a:r>
-              <a:rPr lang="es-BO" sz="1800" b="1" kern="100" dirty="0">
-                <a:effectLst/>
-                <a:latin typeface="Calibri" panose="020F0502020204030204" pitchFamily="34" charset="0"/>
-                <a:ea typeface="Calibri" panose="020F0502020204030204" pitchFamily="34" charset="0"/>
-                <a:cs typeface="Times New Roman" panose="02020603050405020304" pitchFamily="18" charset="0"/>
-              </a:rPr>
-              <a:t> CSS estilos</a:t>
-            </a:r>
-            <a:r>
-              <a:rPr lang="es-BO" sz="1800" kern="100" dirty="0">
-                <a:effectLst/>
-                <a:latin typeface="Calibri" panose="020F0502020204030204" pitchFamily="34" charset="0"/>
-                <a:ea typeface="Calibri" panose="020F0502020204030204" pitchFamily="34" charset="0"/>
-                <a:cs typeface="Times New Roman" panose="02020603050405020304" pitchFamily="18" charset="0"/>
-              </a:rPr>
-              <a:t>, Estos estilos definen la apariencia de las tarjetas y se aplican a los elementos con las clases correspondientes. Por ejemplo, la clase .</a:t>
-            </a:r>
-            <a:r>
-              <a:rPr lang="es-BO" sz="1800" kern="100" dirty="0" err="1">
-                <a:effectLst/>
-                <a:latin typeface="Calibri" panose="020F0502020204030204" pitchFamily="34" charset="0"/>
-                <a:ea typeface="Calibri" panose="020F0502020204030204" pitchFamily="34" charset="0"/>
-                <a:cs typeface="Times New Roman" panose="02020603050405020304" pitchFamily="18" charset="0"/>
-              </a:rPr>
-              <a:t>card</a:t>
-            </a:r>
-            <a:r>
-              <a:rPr lang="es-BO" sz="1800" kern="100" dirty="0">
-                <a:effectLst/>
-                <a:latin typeface="Calibri" panose="020F0502020204030204" pitchFamily="34" charset="0"/>
-                <a:ea typeface="Calibri" panose="020F0502020204030204" pitchFamily="34" charset="0"/>
-                <a:cs typeface="Times New Roman" panose="02020603050405020304" pitchFamily="18" charset="0"/>
-              </a:rPr>
-              <a:t> define los estilos para el contenedor de cada tarjeta, mientras que la clase .</a:t>
-            </a:r>
-            <a:r>
-              <a:rPr lang="es-BO" sz="1800" kern="100" dirty="0" err="1">
-                <a:effectLst/>
-                <a:latin typeface="Calibri" panose="020F0502020204030204" pitchFamily="34" charset="0"/>
-                <a:ea typeface="Calibri" panose="020F0502020204030204" pitchFamily="34" charset="0"/>
-                <a:cs typeface="Times New Roman" panose="02020603050405020304" pitchFamily="18" charset="0"/>
-              </a:rPr>
-              <a:t>card</a:t>
-            </a:r>
-            <a:r>
-              <a:rPr lang="es-BO" sz="1800" kern="100" dirty="0">
-                <a:effectLst/>
-                <a:latin typeface="Calibri" panose="020F0502020204030204" pitchFamily="34" charset="0"/>
-                <a:ea typeface="Calibri" panose="020F0502020204030204" pitchFamily="34" charset="0"/>
-                <a:cs typeface="Times New Roman" panose="02020603050405020304" pitchFamily="18" charset="0"/>
-              </a:rPr>
-              <a:t> </a:t>
-            </a:r>
-            <a:r>
-              <a:rPr lang="es-BO" sz="1800" kern="100" dirty="0" err="1">
-                <a:effectLst/>
-                <a:latin typeface="Calibri" panose="020F0502020204030204" pitchFamily="34" charset="0"/>
-                <a:ea typeface="Calibri" panose="020F0502020204030204" pitchFamily="34" charset="0"/>
-                <a:cs typeface="Times New Roman" panose="02020603050405020304" pitchFamily="18" charset="0"/>
-              </a:rPr>
-              <a:t>img</a:t>
-            </a:r>
-            <a:r>
-              <a:rPr lang="es-BO" sz="1800" kern="100" dirty="0">
-                <a:effectLst/>
-                <a:latin typeface="Calibri" panose="020F0502020204030204" pitchFamily="34" charset="0"/>
-                <a:ea typeface="Calibri" panose="020F0502020204030204" pitchFamily="34" charset="0"/>
-                <a:cs typeface="Times New Roman" panose="02020603050405020304" pitchFamily="18" charset="0"/>
-              </a:rPr>
-              <a:t> define los estilos para las imágenes dentro de las tarjetas. También hay estilos para los encabezados (h2), párrafos (p), y un encabezado principal (h1). Estos estilos contribuyen al aspecto visual del patrón de UI "tarjetas </a:t>
-            </a:r>
-            <a:r>
-              <a:rPr lang="es-BO" sz="1800" kern="100" dirty="0" err="1">
-                <a:effectLst/>
-                <a:latin typeface="Calibri" panose="020F0502020204030204" pitchFamily="34" charset="0"/>
-                <a:ea typeface="Calibri" panose="020F0502020204030204" pitchFamily="34" charset="0"/>
-                <a:cs typeface="Times New Roman" panose="02020603050405020304" pitchFamily="18" charset="0"/>
-              </a:rPr>
-              <a:t>card</a:t>
-            </a:r>
-            <a:r>
-              <a:rPr lang="es-BO" sz="1800" kern="100" dirty="0">
-                <a:effectLst/>
-                <a:latin typeface="Calibri" panose="020F0502020204030204" pitchFamily="34" charset="0"/>
-                <a:ea typeface="Calibri" panose="020F0502020204030204" pitchFamily="34" charset="0"/>
-                <a:cs typeface="Times New Roman" panose="02020603050405020304" pitchFamily="18" charset="0"/>
-              </a:rPr>
-              <a:t>".</a:t>
-            </a:r>
-          </a:p>
-        </p:txBody>
-      </p:sp>
-      <p:sp>
-        <p:nvSpPr>
-          <p:cNvPr id="289" name="Google Shape;289;p32"/>
-          <p:cNvSpPr txBox="1"/>
-          <p:nvPr/>
-        </p:nvSpPr>
-        <p:spPr>
-          <a:xfrm>
-            <a:off x="7496556" y="3803429"/>
-            <a:ext cx="1216800" cy="642000"/>
-          </a:xfrm>
-          <a:prstGeom prst="rect">
-            <a:avLst/>
-          </a:prstGeom>
-          <a:noFill/>
-          <a:ln>
-            <a:noFill/>
-          </a:ln>
-        </p:spPr>
-        <p:txBody>
-          <a:bodyPr spcFirstLastPara="1" wrap="square" lIns="91425" tIns="91425" rIns="91425" bIns="91425" anchor="t" anchorCtr="0">
-            <a:noAutofit/>
-          </a:bodyPr>
-          <a:lstStyle/>
-          <a:p>
-            <a:pPr marL="0" lvl="0" indent="0" algn="ctr" rtl="0">
-              <a:lnSpc>
-                <a:spcPct val="90000"/>
-              </a:lnSpc>
-              <a:spcBef>
-                <a:spcPts val="0"/>
-              </a:spcBef>
-              <a:spcAft>
-                <a:spcPts val="0"/>
-              </a:spcAft>
-              <a:buNone/>
-            </a:pPr>
-            <a:r>
-              <a:rPr lang="en" sz="3600" dirty="0">
-                <a:solidFill>
-                  <a:schemeClr val="accent2"/>
-                </a:solidFill>
-              </a:rPr>
-              <a:t>}</a:t>
-            </a:r>
-            <a:r>
-              <a:rPr lang="en" sz="3600" dirty="0">
-                <a:solidFill>
-                  <a:schemeClr val="dk1"/>
-                </a:solidFill>
-              </a:rPr>
-              <a:t> /&gt; </a:t>
-            </a:r>
-            <a:r>
-              <a:rPr lang="en" sz="3600" dirty="0">
-                <a:solidFill>
-                  <a:schemeClr val="accent1"/>
-                </a:solidFill>
-              </a:rPr>
-              <a:t>[</a:t>
-            </a:r>
-            <a:endParaRPr sz="3600" dirty="0">
-              <a:solidFill>
-                <a:schemeClr val="accent1"/>
-              </a:solidFill>
-            </a:endParaRPr>
-          </a:p>
-        </p:txBody>
-      </p:sp>
-      <p:sp>
-        <p:nvSpPr>
-          <p:cNvPr id="290" name="Google Shape;290;p32"/>
-          <p:cNvSpPr txBox="1"/>
-          <p:nvPr/>
-        </p:nvSpPr>
-        <p:spPr>
-          <a:xfrm>
-            <a:off x="390379" y="435745"/>
-            <a:ext cx="1216800" cy="642000"/>
-          </a:xfrm>
-          <a:prstGeom prst="rect">
-            <a:avLst/>
-          </a:prstGeom>
-          <a:noFill/>
-          <a:ln>
-            <a:noFill/>
-          </a:ln>
-        </p:spPr>
-        <p:txBody>
-          <a:bodyPr spcFirstLastPara="1" wrap="square" lIns="91425" tIns="91425" rIns="91425" bIns="91425" anchor="t" anchorCtr="0">
-            <a:noAutofit/>
-          </a:bodyPr>
-          <a:lstStyle/>
-          <a:p>
-            <a:pPr marL="0" lvl="0" indent="0" algn="ctr" rtl="0">
-              <a:lnSpc>
-                <a:spcPct val="90000"/>
-              </a:lnSpc>
-              <a:spcBef>
-                <a:spcPts val="0"/>
-              </a:spcBef>
-              <a:spcAft>
-                <a:spcPts val="0"/>
-              </a:spcAft>
-              <a:buNone/>
-            </a:pPr>
-            <a:r>
-              <a:rPr lang="en" sz="3600" dirty="0">
-                <a:solidFill>
-                  <a:schemeClr val="accent2"/>
-                </a:solidFill>
-              </a:rPr>
-              <a:t>/&gt;</a:t>
-            </a:r>
-            <a:r>
-              <a:rPr lang="en" sz="3600" dirty="0">
-                <a:solidFill>
-                  <a:schemeClr val="dk1"/>
-                </a:solidFill>
-              </a:rPr>
-              <a:t> **</a:t>
-            </a:r>
-            <a:endParaRPr sz="3600" dirty="0">
-              <a:solidFill>
-                <a:schemeClr val="accent1"/>
-              </a:solidFill>
-            </a:endParaRPr>
-          </a:p>
-        </p:txBody>
-      </p:sp>
-    </p:spTree>
-    <p:extLst>
-      <p:ext uri="{BB962C8B-B14F-4D97-AF65-F5344CB8AC3E}">
-        <p14:creationId xmlns:p14="http://schemas.microsoft.com/office/powerpoint/2010/main" val="2124692844"/>
-      </p:ext>
-    </p:extLst>
-  </p:cSld>
-  <p:clrMapOvr>
-    <a:masterClrMapping/>
-  </p:clrMapOvr>
-</p:sld>
-</file>
-
-<file path=ppt/slides/slide2.xml><?xml version="1.0" encoding="utf-8"?>
-<p:sld xmlns:a="http://schemas.openxmlformats.org/drawingml/2006/main" xmlns:r="http://schemas.openxmlformats.org/officeDocument/2006/relationships" xmlns:p="http://schemas.openxmlformats.org/presentationml/2006/main">
-  <p:cSld>
-    <p:spTree>
-      <p:nvGrpSpPr>
-        <p:cNvPr id="1" name="Shape 253"/>
-        <p:cNvGrpSpPr/>
-        <p:nvPr/>
-      </p:nvGrpSpPr>
-      <p:grpSpPr>
-        <a:xfrm>
-          <a:off x="0" y="0"/>
-          <a:ext cx="0" cy="0"/>
-          <a:chOff x="0" y="0"/>
-          <a:chExt cx="0" cy="0"/>
-        </a:xfrm>
-      </p:grpSpPr>
-      <p:grpSp>
-        <p:nvGrpSpPr>
-          <p:cNvPr id="254" name="Google Shape;254;p30"/>
-          <p:cNvGrpSpPr/>
-          <p:nvPr/>
-        </p:nvGrpSpPr>
-        <p:grpSpPr>
-          <a:xfrm>
-            <a:off x="4806625" y="1238875"/>
-            <a:ext cx="3617313" cy="3166995"/>
-            <a:chOff x="1054825" y="1029588"/>
-            <a:chExt cx="6665400" cy="7569300"/>
-          </a:xfrm>
-        </p:grpSpPr>
-        <p:sp>
-          <p:nvSpPr>
-            <p:cNvPr id="255" name="Google Shape;255;p30"/>
-            <p:cNvSpPr/>
-            <p:nvPr/>
-          </p:nvSpPr>
-          <p:spPr>
-            <a:xfrm>
-              <a:off x="1054825" y="1029588"/>
-              <a:ext cx="6665400" cy="7569300"/>
-            </a:xfrm>
-            <a:prstGeom prst="rect">
-              <a:avLst/>
-            </a:prstGeom>
-            <a:solidFill>
-              <a:schemeClr val="lt1"/>
-            </a:solidFill>
-            <a:ln w="9525" cap="flat" cmpd="sng">
-              <a:solidFill>
-                <a:schemeClr val="dk1"/>
-              </a:solidFill>
-              <a:prstDash val="solid"/>
-              <a:round/>
-              <a:headEnd type="none" w="sm" len="sm"/>
-              <a:tailEnd type="none" w="sm" len="sm"/>
-            </a:ln>
-          </p:spPr>
-          <p:txBody>
-            <a:bodyPr spcFirstLastPara="1" wrap="square" lIns="91425" tIns="91425" rIns="91425" bIns="91425" anchor="ctr" anchorCtr="0">
-              <a:noAutofit/>
-            </a:bodyPr>
-            <a:lstStyle/>
-            <a:p>
-              <a:pPr marL="0" lvl="0" indent="0" algn="l" rtl="0">
-                <a:spcBef>
-                  <a:spcPts val="0"/>
-                </a:spcBef>
-                <a:spcAft>
-                  <a:spcPts val="0"/>
-                </a:spcAft>
-                <a:buNone/>
-              </a:pPr>
-              <a:endParaRPr/>
-            </a:p>
-          </p:txBody>
-        </p:sp>
-        <p:sp>
-          <p:nvSpPr>
-            <p:cNvPr id="256" name="Google Shape;256;p30"/>
-            <p:cNvSpPr/>
-            <p:nvPr/>
-          </p:nvSpPr>
-          <p:spPr>
-            <a:xfrm>
-              <a:off x="1054825" y="1029588"/>
-              <a:ext cx="6665400" cy="610200"/>
-            </a:xfrm>
-            <a:prstGeom prst="rect">
-              <a:avLst/>
-            </a:prstGeom>
-            <a:solidFill>
-              <a:schemeClr val="lt1"/>
-            </a:solidFill>
-            <a:ln w="9525" cap="flat" cmpd="sng">
-              <a:solidFill>
-                <a:schemeClr val="dk1"/>
-              </a:solidFill>
-              <a:prstDash val="solid"/>
-              <a:round/>
-              <a:headEnd type="none" w="sm" len="sm"/>
-              <a:tailEnd type="none" w="sm" len="sm"/>
-            </a:ln>
-          </p:spPr>
-          <p:txBody>
-            <a:bodyPr spcFirstLastPara="1" wrap="square" lIns="91425" tIns="91425" rIns="91425" bIns="91425" anchor="ctr" anchorCtr="0">
-              <a:noAutofit/>
-            </a:bodyPr>
-            <a:lstStyle/>
-            <a:p>
-              <a:pPr marL="0" lvl="0" indent="0" algn="l" rtl="0">
-                <a:spcBef>
-                  <a:spcPts val="0"/>
-                </a:spcBef>
-                <a:spcAft>
-                  <a:spcPts val="0"/>
-                </a:spcAft>
-                <a:buNone/>
-              </a:pPr>
-              <a:endParaRPr/>
-            </a:p>
-          </p:txBody>
-        </p:sp>
-      </p:grpSp>
-      <p:sp>
-        <p:nvSpPr>
-          <p:cNvPr id="257" name="Google Shape;257;p30"/>
-          <p:cNvSpPr txBox="1">
-            <a:spLocks noGrp="1"/>
-          </p:cNvSpPr>
-          <p:nvPr>
-            <p:ph type="title"/>
-          </p:nvPr>
-        </p:nvSpPr>
-        <p:spPr>
-          <a:xfrm>
-            <a:off x="720000" y="475500"/>
-            <a:ext cx="7704000" cy="557700"/>
-          </a:xfrm>
-          <a:prstGeom prst="rect">
-            <a:avLst/>
-          </a:prstGeom>
-        </p:spPr>
-        <p:txBody>
-          <a:bodyPr spcFirstLastPara="1" wrap="square" lIns="91425" tIns="91425" rIns="91425" bIns="91425" anchor="t" anchorCtr="0">
-            <a:noAutofit/>
-          </a:bodyPr>
-          <a:lstStyle/>
-          <a:p>
-            <a:pPr marL="0" lvl="0" indent="0" algn="l" rtl="0">
-              <a:spcBef>
-                <a:spcPts val="0"/>
-              </a:spcBef>
-              <a:spcAft>
-                <a:spcPts val="0"/>
-              </a:spcAft>
-              <a:buNone/>
-            </a:pPr>
-            <a:r>
-              <a:rPr lang="en" dirty="0">
-                <a:solidFill>
-                  <a:schemeClr val="lt2"/>
-                </a:solidFill>
-              </a:rPr>
-              <a:t>&lt;/ INTRODUCION</a:t>
-            </a:r>
-            <a:endParaRPr dirty="0"/>
-          </a:p>
-        </p:txBody>
-      </p:sp>
-      <p:sp>
-        <p:nvSpPr>
-          <p:cNvPr id="258" name="Google Shape;258;p30"/>
-          <p:cNvSpPr txBox="1">
-            <a:spLocks noGrp="1"/>
-          </p:cNvSpPr>
-          <p:nvPr>
-            <p:ph type="body" idx="1"/>
-          </p:nvPr>
-        </p:nvSpPr>
-        <p:spPr>
-          <a:xfrm>
-            <a:off x="720000" y="1244275"/>
-            <a:ext cx="3692400" cy="2955600"/>
-          </a:xfrm>
-          <a:prstGeom prst="rect">
-            <a:avLst/>
-          </a:prstGeom>
-        </p:spPr>
-        <p:txBody>
-          <a:bodyPr spcFirstLastPara="1" wrap="square" lIns="91425" tIns="91425" rIns="91425" bIns="91425" anchor="t" anchorCtr="0">
-            <a:noAutofit/>
-          </a:bodyPr>
-          <a:lstStyle/>
-          <a:p>
-            <a:pPr marL="0" lvl="0" indent="0" algn="l" rtl="0">
-              <a:spcBef>
-                <a:spcPts val="0"/>
-              </a:spcBef>
-              <a:spcAft>
-                <a:spcPts val="0"/>
-              </a:spcAft>
-              <a:buNone/>
-            </a:pPr>
-            <a:r>
-              <a:rPr lang="es-BO" sz="1800" dirty="0">
-                <a:solidFill>
-                  <a:schemeClr val="tx1"/>
-                </a:solidFill>
-                <a:effectLst/>
-                <a:latin typeface="Calibri" panose="020F0502020204030204" pitchFamily="34" charset="0"/>
-                <a:ea typeface="Calibri" panose="020F0502020204030204" pitchFamily="34" charset="0"/>
-                <a:cs typeface="Times New Roman" panose="02020603050405020304" pitchFamily="18" charset="0"/>
-              </a:rPr>
-              <a:t>La presente investigación se enfoca en </a:t>
-            </a:r>
-            <a:r>
-              <a:rPr lang="es-MX" sz="1800" b="0" i="0" dirty="0">
-                <a:solidFill>
-                  <a:schemeClr val="tx1"/>
-                </a:solidFill>
-                <a:effectLst/>
-                <a:latin typeface="Söhne"/>
-              </a:rPr>
-              <a:t>analizar los patrones de diseño de interfaz de usuario (UI) más utilizados y evaluar su aplicabilidad y eficacia. </a:t>
-            </a:r>
-          </a:p>
-          <a:p>
-            <a:pPr marL="0" lvl="0" indent="0" algn="l" rtl="0">
-              <a:spcBef>
-                <a:spcPts val="0"/>
-              </a:spcBef>
-              <a:spcAft>
-                <a:spcPts val="0"/>
-              </a:spcAft>
-              <a:buNone/>
-            </a:pPr>
-            <a:endParaRPr lang="es-MX" sz="1800" dirty="0">
-              <a:solidFill>
-                <a:schemeClr val="tx1"/>
-              </a:solidFill>
-              <a:latin typeface="Söhne"/>
-            </a:endParaRPr>
-          </a:p>
-          <a:p>
-            <a:pPr marL="0" lvl="0" indent="0" algn="l" rtl="0">
-              <a:spcBef>
-                <a:spcPts val="0"/>
-              </a:spcBef>
-              <a:spcAft>
-                <a:spcPts val="0"/>
-              </a:spcAft>
-              <a:buNone/>
-            </a:pPr>
-            <a:r>
-              <a:rPr lang="es-MX" sz="1800" b="0" i="0" dirty="0">
-                <a:solidFill>
-                  <a:schemeClr val="tx1"/>
-                </a:solidFill>
-                <a:effectLst/>
-                <a:latin typeface="Söhne"/>
-              </a:rPr>
-              <a:t>El diseño de interfaces de usuario es crucial para la experiencia del usuario y el éxito de las aplicaciones y sitios web.</a:t>
-            </a:r>
-            <a:endParaRPr sz="1800" dirty="0">
-              <a:solidFill>
-                <a:schemeClr val="tx1"/>
-              </a:solidFill>
-            </a:endParaRPr>
-          </a:p>
-        </p:txBody>
-      </p:sp>
-      <p:sp>
-        <p:nvSpPr>
-          <p:cNvPr id="259" name="Google Shape;259;p30"/>
-          <p:cNvSpPr txBox="1"/>
-          <p:nvPr/>
-        </p:nvSpPr>
-        <p:spPr>
-          <a:xfrm>
-            <a:off x="4950330" y="1581625"/>
-            <a:ext cx="1774800" cy="497400"/>
-          </a:xfrm>
-          <a:prstGeom prst="rect">
-            <a:avLst/>
-          </a:prstGeom>
-          <a:noFill/>
-          <a:ln>
-            <a:noFill/>
-          </a:ln>
-        </p:spPr>
-        <p:txBody>
-          <a:bodyPr spcFirstLastPara="1" wrap="square" lIns="91425" tIns="91425" rIns="91425" bIns="91425" anchor="t" anchorCtr="0">
-            <a:noAutofit/>
-          </a:bodyPr>
-          <a:lstStyle/>
-          <a:p>
-            <a:pPr marL="0" lvl="0" indent="0" algn="l" rtl="0">
-              <a:lnSpc>
-                <a:spcPct val="90000"/>
-              </a:lnSpc>
-              <a:spcBef>
-                <a:spcPts val="0"/>
-              </a:spcBef>
-              <a:spcAft>
-                <a:spcPts val="0"/>
-              </a:spcAft>
-              <a:buNone/>
-            </a:pPr>
-            <a:r>
-              <a:rPr lang="en" sz="2400">
-                <a:solidFill>
-                  <a:schemeClr val="accent2"/>
-                </a:solidFill>
-                <a:latin typeface="Quantico"/>
-                <a:ea typeface="Quantico"/>
-                <a:cs typeface="Quantico"/>
-                <a:sym typeface="Quantico"/>
-              </a:rPr>
-              <a:t>php</a:t>
-            </a:r>
-            <a:r>
-              <a:rPr lang="en" sz="2400">
-                <a:solidFill>
-                  <a:schemeClr val="accent1"/>
-                </a:solidFill>
-                <a:latin typeface="Quantico"/>
-                <a:ea typeface="Quantico"/>
-                <a:cs typeface="Quantico"/>
-                <a:sym typeface="Quantico"/>
-              </a:rPr>
-              <a:t>&gt;</a:t>
-            </a:r>
-            <a:endParaRPr sz="2400">
-              <a:solidFill>
-                <a:schemeClr val="accent1"/>
-              </a:solidFill>
-              <a:latin typeface="Quantico"/>
-              <a:ea typeface="Quantico"/>
-              <a:cs typeface="Quantico"/>
-              <a:sym typeface="Quantico"/>
-            </a:endParaRPr>
-          </a:p>
-        </p:txBody>
-      </p:sp>
-      <p:pic>
-        <p:nvPicPr>
-          <p:cNvPr id="260" name="Google Shape;260;p30"/>
-          <p:cNvPicPr preferRelativeResize="0"/>
-          <p:nvPr/>
-        </p:nvPicPr>
-        <p:blipFill>
-          <a:blip r:embed="rId3">
-            <a:alphaModFix/>
-          </a:blip>
-          <a:stretch>
-            <a:fillRect/>
-          </a:stretch>
-        </p:blipFill>
-        <p:spPr>
-          <a:xfrm>
-            <a:off x="5061456" y="2141934"/>
-            <a:ext cx="3107651" cy="2071251"/>
-          </a:xfrm>
-          <a:prstGeom prst="rect">
-            <a:avLst/>
-          </a:prstGeom>
-          <a:noFill/>
-          <a:ln w="9525" cap="flat" cmpd="sng">
-            <a:solidFill>
-              <a:schemeClr val="dk1"/>
-            </a:solidFill>
-            <a:prstDash val="solid"/>
-            <a:round/>
-            <a:headEnd type="none" w="sm" len="sm"/>
-            <a:tailEnd type="none" w="sm" len="sm"/>
-          </a:ln>
-        </p:spPr>
-      </p:pic>
-    </p:spTree>
-  </p:cSld>
-  <p:clrMapOvr>
-    <a:masterClrMapping/>
-  </p:clrMapOvr>
-</p:sld>
-</file>
-
-<file path=ppt/slides/slide20.xml><?xml version="1.0" encoding="utf-8"?>
-<p:sld xmlns:a="http://schemas.openxmlformats.org/drawingml/2006/main" xmlns:r="http://schemas.openxmlformats.org/officeDocument/2006/relationships" xmlns:p="http://schemas.openxmlformats.org/presentationml/2006/main">
-  <p:cSld>
-    <p:spTree>
-      <p:nvGrpSpPr>
         <p:cNvPr id="1" name="Shape 264"/>
         <p:cNvGrpSpPr/>
         <p:nvPr/>
@@ -20214,7 +18628,7 @@
 </p:sld>
 </file>
 
-<file path=ppt/slides/slide21.xml><?xml version="1.0" encoding="utf-8"?>
+<file path=ppt/slides/slide18.xml><?xml version="1.0" encoding="utf-8"?>
 <p:sld xmlns:a="http://schemas.openxmlformats.org/drawingml/2006/main" xmlns:r="http://schemas.openxmlformats.org/officeDocument/2006/relationships" xmlns:p="http://schemas.openxmlformats.org/presentationml/2006/main">
   <p:cSld>
     <p:spTree>
@@ -20404,7 +18818,7 @@
 </p:sld>
 </file>
 
-<file path=ppt/slides/slide22.xml><?xml version="1.0" encoding="utf-8"?>
+<file path=ppt/slides/slide19.xml><?xml version="1.0" encoding="utf-8"?>
 <p:sld xmlns:a="http://schemas.openxmlformats.org/drawingml/2006/main" xmlns:r="http://schemas.openxmlformats.org/officeDocument/2006/relationships" xmlns:p="http://schemas.openxmlformats.org/presentationml/2006/main">
   <p:cSld>
     <p:spTree>
@@ -20669,7 +19083,394 @@
 </p:sld>
 </file>
 
-<file path=ppt/slides/slide23.xml><?xml version="1.0" encoding="utf-8"?>
+<file path=ppt/slides/slide2.xml><?xml version="1.0" encoding="utf-8"?>
+<p:sld xmlns:a="http://schemas.openxmlformats.org/drawingml/2006/main" xmlns:r="http://schemas.openxmlformats.org/officeDocument/2006/relationships" xmlns:p="http://schemas.openxmlformats.org/presentationml/2006/main">
+  <p:cSld>
+    <p:spTree>
+      <p:nvGrpSpPr>
+        <p:cNvPr id="1" name="Shape 253"/>
+        <p:cNvGrpSpPr/>
+        <p:nvPr/>
+      </p:nvGrpSpPr>
+      <p:grpSpPr>
+        <a:xfrm>
+          <a:off x="0" y="0"/>
+          <a:ext cx="0" cy="0"/>
+          <a:chOff x="0" y="0"/>
+          <a:chExt cx="0" cy="0"/>
+        </a:xfrm>
+      </p:grpSpPr>
+      <p:grpSp>
+        <p:nvGrpSpPr>
+          <p:cNvPr id="254" name="Google Shape;254;p30"/>
+          <p:cNvGrpSpPr/>
+          <p:nvPr/>
+        </p:nvGrpSpPr>
+        <p:grpSpPr>
+          <a:xfrm>
+            <a:off x="4806625" y="1238875"/>
+            <a:ext cx="3617313" cy="3166995"/>
+            <a:chOff x="1054825" y="1029588"/>
+            <a:chExt cx="6665400" cy="7569300"/>
+          </a:xfrm>
+        </p:grpSpPr>
+        <p:sp>
+          <p:nvSpPr>
+            <p:cNvPr id="255" name="Google Shape;255;p30"/>
+            <p:cNvSpPr/>
+            <p:nvPr/>
+          </p:nvSpPr>
+          <p:spPr>
+            <a:xfrm>
+              <a:off x="1054825" y="1029588"/>
+              <a:ext cx="6665400" cy="7569300"/>
+            </a:xfrm>
+            <a:prstGeom prst="rect">
+              <a:avLst/>
+            </a:prstGeom>
+            <a:solidFill>
+              <a:schemeClr val="lt1"/>
+            </a:solidFill>
+            <a:ln w="9525" cap="flat" cmpd="sng">
+              <a:solidFill>
+                <a:schemeClr val="dk1"/>
+              </a:solidFill>
+              <a:prstDash val="solid"/>
+              <a:round/>
+              <a:headEnd type="none" w="sm" len="sm"/>
+              <a:tailEnd type="none" w="sm" len="sm"/>
+            </a:ln>
+          </p:spPr>
+          <p:txBody>
+            <a:bodyPr spcFirstLastPara="1" wrap="square" lIns="91425" tIns="91425" rIns="91425" bIns="91425" anchor="ctr" anchorCtr="0">
+              <a:noAutofit/>
+            </a:bodyPr>
+            <a:lstStyle/>
+            <a:p>
+              <a:pPr marL="0" lvl="0" indent="0" algn="l" rtl="0">
+                <a:spcBef>
+                  <a:spcPts val="0"/>
+                </a:spcBef>
+                <a:spcAft>
+                  <a:spcPts val="0"/>
+                </a:spcAft>
+                <a:buNone/>
+              </a:pPr>
+              <a:endParaRPr/>
+            </a:p>
+          </p:txBody>
+        </p:sp>
+        <p:sp>
+          <p:nvSpPr>
+            <p:cNvPr id="256" name="Google Shape;256;p30"/>
+            <p:cNvSpPr/>
+            <p:nvPr/>
+          </p:nvSpPr>
+          <p:spPr>
+            <a:xfrm>
+              <a:off x="1054825" y="1029588"/>
+              <a:ext cx="6665400" cy="610200"/>
+            </a:xfrm>
+            <a:prstGeom prst="rect">
+              <a:avLst/>
+            </a:prstGeom>
+            <a:solidFill>
+              <a:schemeClr val="lt1"/>
+            </a:solidFill>
+            <a:ln w="9525" cap="flat" cmpd="sng">
+              <a:solidFill>
+                <a:schemeClr val="dk1"/>
+              </a:solidFill>
+              <a:prstDash val="solid"/>
+              <a:round/>
+              <a:headEnd type="none" w="sm" len="sm"/>
+              <a:tailEnd type="none" w="sm" len="sm"/>
+            </a:ln>
+          </p:spPr>
+          <p:txBody>
+            <a:bodyPr spcFirstLastPara="1" wrap="square" lIns="91425" tIns="91425" rIns="91425" bIns="91425" anchor="ctr" anchorCtr="0">
+              <a:noAutofit/>
+            </a:bodyPr>
+            <a:lstStyle/>
+            <a:p>
+              <a:pPr marL="0" lvl="0" indent="0" algn="l" rtl="0">
+                <a:spcBef>
+                  <a:spcPts val="0"/>
+                </a:spcBef>
+                <a:spcAft>
+                  <a:spcPts val="0"/>
+                </a:spcAft>
+                <a:buNone/>
+              </a:pPr>
+              <a:endParaRPr/>
+            </a:p>
+          </p:txBody>
+        </p:sp>
+      </p:grpSp>
+      <p:sp>
+        <p:nvSpPr>
+          <p:cNvPr id="257" name="Google Shape;257;p30"/>
+          <p:cNvSpPr txBox="1">
+            <a:spLocks noGrp="1"/>
+          </p:cNvSpPr>
+          <p:nvPr>
+            <p:ph type="title"/>
+          </p:nvPr>
+        </p:nvSpPr>
+        <p:spPr>
+          <a:xfrm>
+            <a:off x="720000" y="475500"/>
+            <a:ext cx="7704000" cy="557700"/>
+          </a:xfrm>
+          <a:prstGeom prst="rect">
+            <a:avLst/>
+          </a:prstGeom>
+        </p:spPr>
+        <p:txBody>
+          <a:bodyPr spcFirstLastPara="1" wrap="square" lIns="91425" tIns="91425" rIns="91425" bIns="91425" anchor="t" anchorCtr="0">
+            <a:noAutofit/>
+          </a:bodyPr>
+          <a:lstStyle/>
+          <a:p>
+            <a:pPr marL="0" lvl="0" indent="0" algn="l" rtl="0">
+              <a:spcBef>
+                <a:spcPts val="0"/>
+              </a:spcBef>
+              <a:spcAft>
+                <a:spcPts val="0"/>
+              </a:spcAft>
+              <a:buNone/>
+            </a:pPr>
+            <a:r>
+              <a:rPr lang="en" dirty="0">
+                <a:solidFill>
+                  <a:schemeClr val="lt2"/>
+                </a:solidFill>
+              </a:rPr>
+              <a:t>&lt;/ INTRODUCION</a:t>
+            </a:r>
+            <a:endParaRPr dirty="0"/>
+          </a:p>
+        </p:txBody>
+      </p:sp>
+      <p:sp>
+        <p:nvSpPr>
+          <p:cNvPr id="258" name="Google Shape;258;p30"/>
+          <p:cNvSpPr txBox="1">
+            <a:spLocks noGrp="1"/>
+          </p:cNvSpPr>
+          <p:nvPr>
+            <p:ph type="body" idx="1"/>
+          </p:nvPr>
+        </p:nvSpPr>
+        <p:spPr>
+          <a:xfrm>
+            <a:off x="720000" y="1244275"/>
+            <a:ext cx="3692400" cy="2955600"/>
+          </a:xfrm>
+          <a:prstGeom prst="rect">
+            <a:avLst/>
+          </a:prstGeom>
+        </p:spPr>
+        <p:txBody>
+          <a:bodyPr spcFirstLastPara="1" wrap="square" lIns="91425" tIns="91425" rIns="91425" bIns="91425" anchor="t" anchorCtr="0">
+            <a:noAutofit/>
+          </a:bodyPr>
+          <a:lstStyle/>
+          <a:p>
+            <a:pPr marL="0" lvl="0" indent="0" algn="l" rtl="0">
+              <a:spcBef>
+                <a:spcPts val="0"/>
+              </a:spcBef>
+              <a:spcAft>
+                <a:spcPts val="0"/>
+              </a:spcAft>
+              <a:buNone/>
+            </a:pPr>
+            <a:r>
+              <a:rPr lang="es-BO" sz="1800" dirty="0">
+                <a:solidFill>
+                  <a:schemeClr val="tx1"/>
+                </a:solidFill>
+                <a:effectLst/>
+                <a:latin typeface="Calibri" panose="020F0502020204030204" pitchFamily="34" charset="0"/>
+                <a:ea typeface="Calibri" panose="020F0502020204030204" pitchFamily="34" charset="0"/>
+                <a:cs typeface="Times New Roman" panose="02020603050405020304" pitchFamily="18" charset="0"/>
+              </a:rPr>
+              <a:t>La presente investigación se enfoca en </a:t>
+            </a:r>
+            <a:r>
+              <a:rPr lang="es-MX" sz="1800" b="0" i="0" dirty="0">
+                <a:solidFill>
+                  <a:schemeClr val="tx1"/>
+                </a:solidFill>
+                <a:effectLst/>
+                <a:latin typeface="Söhne"/>
+              </a:rPr>
+              <a:t>analizar los patrones de diseño de interfaz de usuario (UI) más utilizados y evaluar su aplicabilidad y eficacia. </a:t>
+            </a:r>
+          </a:p>
+          <a:p>
+            <a:pPr marL="0" lvl="0" indent="0" algn="l" rtl="0">
+              <a:spcBef>
+                <a:spcPts val="0"/>
+              </a:spcBef>
+              <a:spcAft>
+                <a:spcPts val="0"/>
+              </a:spcAft>
+              <a:buNone/>
+            </a:pPr>
+            <a:endParaRPr lang="es-MX" sz="1800" dirty="0">
+              <a:solidFill>
+                <a:schemeClr val="tx1"/>
+              </a:solidFill>
+              <a:latin typeface="Söhne"/>
+            </a:endParaRPr>
+          </a:p>
+          <a:p>
+            <a:pPr marL="0" lvl="0" indent="0" algn="l" rtl="0">
+              <a:spcBef>
+                <a:spcPts val="0"/>
+              </a:spcBef>
+              <a:spcAft>
+                <a:spcPts val="0"/>
+              </a:spcAft>
+              <a:buNone/>
+            </a:pPr>
+            <a:r>
+              <a:rPr lang="es-MX" sz="1800" b="0" i="0" dirty="0">
+                <a:solidFill>
+                  <a:schemeClr val="tx1"/>
+                </a:solidFill>
+                <a:effectLst/>
+                <a:latin typeface="Söhne"/>
+              </a:rPr>
+              <a:t>El diseño de interfaces de usuario es crucial para la experiencia del usuario y el éxito de las aplicaciones y sitios web.</a:t>
+            </a:r>
+            <a:endParaRPr sz="1800" dirty="0">
+              <a:solidFill>
+                <a:schemeClr val="tx1"/>
+              </a:solidFill>
+            </a:endParaRPr>
+          </a:p>
+        </p:txBody>
+      </p:sp>
+      <p:sp>
+        <p:nvSpPr>
+          <p:cNvPr id="259" name="Google Shape;259;p30"/>
+          <p:cNvSpPr txBox="1"/>
+          <p:nvPr/>
+        </p:nvSpPr>
+        <p:spPr>
+          <a:xfrm>
+            <a:off x="4950330" y="1581625"/>
+            <a:ext cx="1774800" cy="497400"/>
+          </a:xfrm>
+          <a:prstGeom prst="rect">
+            <a:avLst/>
+          </a:prstGeom>
+          <a:noFill/>
+          <a:ln>
+            <a:noFill/>
+          </a:ln>
+        </p:spPr>
+        <p:txBody>
+          <a:bodyPr spcFirstLastPara="1" wrap="square" lIns="91425" tIns="91425" rIns="91425" bIns="91425" anchor="t" anchorCtr="0">
+            <a:noAutofit/>
+          </a:bodyPr>
+          <a:lstStyle/>
+          <a:p>
+            <a:pPr marL="0" lvl="0" indent="0" algn="l" rtl="0">
+              <a:lnSpc>
+                <a:spcPct val="90000"/>
+              </a:lnSpc>
+              <a:spcBef>
+                <a:spcPts val="0"/>
+              </a:spcBef>
+              <a:spcAft>
+                <a:spcPts val="0"/>
+              </a:spcAft>
+              <a:buNone/>
+            </a:pPr>
+            <a:r>
+              <a:rPr lang="en" sz="2400">
+                <a:solidFill>
+                  <a:schemeClr val="accent2"/>
+                </a:solidFill>
+                <a:latin typeface="Quantico"/>
+                <a:ea typeface="Quantico"/>
+                <a:cs typeface="Quantico"/>
+                <a:sym typeface="Quantico"/>
+              </a:rPr>
+              <a:t>php</a:t>
+            </a:r>
+            <a:r>
+              <a:rPr lang="en" sz="2400">
+                <a:solidFill>
+                  <a:schemeClr val="accent1"/>
+                </a:solidFill>
+                <a:latin typeface="Quantico"/>
+                <a:ea typeface="Quantico"/>
+                <a:cs typeface="Quantico"/>
+                <a:sym typeface="Quantico"/>
+              </a:rPr>
+              <a:t>&gt;</a:t>
+            </a:r>
+            <a:endParaRPr sz="2400">
+              <a:solidFill>
+                <a:schemeClr val="accent1"/>
+              </a:solidFill>
+              <a:latin typeface="Quantico"/>
+              <a:ea typeface="Quantico"/>
+              <a:cs typeface="Quantico"/>
+              <a:sym typeface="Quantico"/>
+            </a:endParaRPr>
+          </a:p>
+        </p:txBody>
+      </p:sp>
+      <p:pic>
+        <p:nvPicPr>
+          <p:cNvPr id="260" name="Google Shape;260;p30"/>
+          <p:cNvPicPr preferRelativeResize="0"/>
+          <p:nvPr/>
+        </p:nvPicPr>
+        <p:blipFill>
+          <a:blip r:embed="rId3">
+            <a:alphaModFix/>
+          </a:blip>
+          <a:stretch>
+            <a:fillRect/>
+          </a:stretch>
+        </p:blipFill>
+        <p:spPr>
+          <a:xfrm>
+            <a:off x="5061456" y="2141934"/>
+            <a:ext cx="3107651" cy="2071251"/>
+          </a:xfrm>
+          <a:prstGeom prst="rect">
+            <a:avLst/>
+          </a:prstGeom>
+          <a:noFill/>
+          <a:ln w="9525" cap="flat" cmpd="sng">
+            <a:solidFill>
+              <a:schemeClr val="dk1"/>
+            </a:solidFill>
+            <a:prstDash val="solid"/>
+            <a:round/>
+            <a:headEnd type="none" w="sm" len="sm"/>
+            <a:tailEnd type="none" w="sm" len="sm"/>
+          </a:ln>
+        </p:spPr>
+      </p:pic>
+    </p:spTree>
+  </p:cSld>
+  <p:clrMapOvr>
+    <a:masterClrMapping/>
+  </p:clrMapOvr>
+</p:sld>
+</file>
+
+<file path=ppt/slides/slide20.xml><?xml version="1.0" encoding="utf-8"?>
 <p:sld xmlns:a="http://schemas.openxmlformats.org/drawingml/2006/main" xmlns:r="http://schemas.openxmlformats.org/officeDocument/2006/relationships" xmlns:p="http://schemas.openxmlformats.org/presentationml/2006/main">
   <p:cSld>
     <p:spTree>
@@ -20859,7 +19660,7 @@
 </p:sld>
 </file>
 
-<file path=ppt/slides/slide24.xml><?xml version="1.0" encoding="utf-8"?>
+<file path=ppt/slides/slide21.xml><?xml version="1.0" encoding="utf-8"?>
 <p:sld xmlns:a="http://schemas.openxmlformats.org/drawingml/2006/main" xmlns:r="http://schemas.openxmlformats.org/officeDocument/2006/relationships" xmlns:p="http://schemas.openxmlformats.org/presentationml/2006/main">
   <p:cSld>
     <p:spTree>
@@ -21048,7 +19849,7 @@
 </p:sld>
 </file>
 
-<file path=ppt/slides/slide25.xml><?xml version="1.0" encoding="utf-8"?>
+<file path=ppt/slides/slide22.xml><?xml version="1.0" encoding="utf-8"?>
 <p:sld xmlns:a="http://schemas.openxmlformats.org/drawingml/2006/main" xmlns:r="http://schemas.openxmlformats.org/officeDocument/2006/relationships" xmlns:p="http://schemas.openxmlformats.org/presentationml/2006/main">
   <p:cSld>
     <p:spTree>

--- a/DOCUMENTACION/tecnoweb.pptx
+++ b/DOCUMENTACION/tecnoweb.pptx
@@ -5,7 +5,7 @@
     <p:sldMasterId id="2147483672" r:id="rId1"/>
   </p:sldMasterIdLst>
   <p:notesMasterIdLst>
-    <p:notesMasterId r:id="rId24"/>
+    <p:notesMasterId r:id="rId23"/>
   </p:notesMasterIdLst>
   <p:sldIdLst>
     <p:sldId id="256" r:id="rId2"/>
@@ -23,58 +23,57 @@
     <p:sldId id="304" r:id="rId14"/>
     <p:sldId id="305" r:id="rId15"/>
     <p:sldId id="306" r:id="rId16"/>
-    <p:sldId id="263" r:id="rId17"/>
-    <p:sldId id="310" r:id="rId18"/>
-    <p:sldId id="314" r:id="rId19"/>
-    <p:sldId id="315" r:id="rId20"/>
-    <p:sldId id="312" r:id="rId21"/>
-    <p:sldId id="313" r:id="rId22"/>
-    <p:sldId id="311" r:id="rId23"/>
+    <p:sldId id="310" r:id="rId17"/>
+    <p:sldId id="314" r:id="rId18"/>
+    <p:sldId id="315" r:id="rId19"/>
+    <p:sldId id="312" r:id="rId20"/>
+    <p:sldId id="313" r:id="rId21"/>
+    <p:sldId id="311" r:id="rId22"/>
   </p:sldIdLst>
   <p:sldSz cx="9144000" cy="5143500" type="screen16x9"/>
   <p:notesSz cx="6858000" cy="9144000"/>
   <p:embeddedFontLst>
     <p:embeddedFont>
       <p:font typeface="Calibri" panose="020F0502020204030204" pitchFamily="34" charset="0"/>
-      <p:regular r:id="rId25"/>
-      <p:bold r:id="rId26"/>
-      <p:italic r:id="rId27"/>
-      <p:boldItalic r:id="rId28"/>
+      <p:regular r:id="rId24"/>
+      <p:bold r:id="rId25"/>
+      <p:italic r:id="rId26"/>
+      <p:boldItalic r:id="rId27"/>
     </p:embeddedFont>
     <p:embeddedFont>
       <p:font typeface="Calibri Light" panose="020F0302020204030204" pitchFamily="34" charset="0"/>
-      <p:regular r:id="rId29"/>
-      <p:italic r:id="rId30"/>
+      <p:regular r:id="rId28"/>
+      <p:italic r:id="rId29"/>
     </p:embeddedFont>
     <p:embeddedFont>
       <p:font typeface="Denk One" panose="020B0604020202020204" charset="0"/>
-      <p:regular r:id="rId31"/>
+      <p:regular r:id="rId30"/>
     </p:embeddedFont>
     <p:embeddedFont>
       <p:font typeface="Fira Sans Extra Condensed" panose="020B0503050000020004" pitchFamily="34" charset="0"/>
-      <p:regular r:id="rId32"/>
-      <p:bold r:id="rId33"/>
-      <p:italic r:id="rId34"/>
-      <p:boldItalic r:id="rId35"/>
+      <p:regular r:id="rId31"/>
+      <p:bold r:id="rId32"/>
+      <p:italic r:id="rId33"/>
+      <p:boldItalic r:id="rId34"/>
     </p:embeddedFont>
     <p:embeddedFont>
       <p:font typeface="Nunito Light" pitchFamily="2" charset="0"/>
-      <p:regular r:id="rId36"/>
-      <p:italic r:id="rId37"/>
+      <p:regular r:id="rId35"/>
+      <p:italic r:id="rId36"/>
     </p:embeddedFont>
     <p:embeddedFont>
       <p:font typeface="Quantico" panose="020B0604020202020204" charset="0"/>
-      <p:regular r:id="rId38"/>
-      <p:bold r:id="rId39"/>
-      <p:italic r:id="rId40"/>
-      <p:boldItalic r:id="rId41"/>
+      <p:regular r:id="rId37"/>
+      <p:bold r:id="rId38"/>
+      <p:italic r:id="rId39"/>
+      <p:boldItalic r:id="rId40"/>
     </p:embeddedFont>
     <p:embeddedFont>
       <p:font typeface="Source Code Pro" panose="020B0509030403020204" pitchFamily="49" charset="0"/>
-      <p:regular r:id="rId42"/>
-      <p:bold r:id="rId43"/>
-      <p:italic r:id="rId44"/>
-      <p:boldItalic r:id="rId45"/>
+      <p:regular r:id="rId41"/>
+      <p:bold r:id="rId42"/>
+      <p:italic r:id="rId43"/>
+      <p:boldItalic r:id="rId44"/>
     </p:embeddedFont>
   </p:embeddedFontLst>
   <p:defaultTextStyle>
@@ -1534,6 +1533,115 @@
   <p:cSld>
     <p:spTree>
       <p:nvGrpSpPr>
+        <p:cNvPr id="1" name="Shape 261"/>
+        <p:cNvGrpSpPr/>
+        <p:nvPr/>
+      </p:nvGrpSpPr>
+      <p:grpSpPr>
+        <a:xfrm>
+          <a:off x="0" y="0"/>
+          <a:ext cx="0" cy="0"/>
+          <a:chOff x="0" y="0"/>
+          <a:chExt cx="0" cy="0"/>
+        </a:xfrm>
+      </p:grpSpPr>
+      <p:sp>
+        <p:nvSpPr>
+          <p:cNvPr id="262" name="Google Shape;262;gfd1541d378_0_560:notes"/>
+          <p:cNvSpPr>
+            <a:spLocks noGrp="1" noRot="1" noChangeAspect="1"/>
+          </p:cNvSpPr>
+          <p:nvPr>
+            <p:ph type="sldImg" idx="2"/>
+          </p:nvPr>
+        </p:nvSpPr>
+        <p:spPr>
+          <a:xfrm>
+            <a:off x="381000" y="685800"/>
+            <a:ext cx="6096000" cy="3429000"/>
+          </a:xfrm>
+          <a:custGeom>
+            <a:avLst/>
+            <a:gdLst/>
+            <a:ahLst/>
+            <a:cxnLst/>
+            <a:rect l="l" t="t" r="r" b="b"/>
+            <a:pathLst>
+              <a:path w="120000" h="120000" extrusionOk="0">
+                <a:moveTo>
+                  <a:pt x="0" y="0"/>
+                </a:moveTo>
+                <a:lnTo>
+                  <a:pt x="120000" y="0"/>
+                </a:lnTo>
+                <a:lnTo>
+                  <a:pt x="120000" y="120000"/>
+                </a:lnTo>
+                <a:lnTo>
+                  <a:pt x="0" y="120000"/>
+                </a:lnTo>
+                <a:close/>
+              </a:path>
+            </a:pathLst>
+          </a:custGeom>
+        </p:spPr>
+      </p:sp>
+      <p:sp>
+        <p:nvSpPr>
+          <p:cNvPr id="263" name="Google Shape;263;gfd1541d378_0_560:notes"/>
+          <p:cNvSpPr txBox="1">
+            <a:spLocks noGrp="1"/>
+          </p:cNvSpPr>
+          <p:nvPr>
+            <p:ph type="body" idx="1"/>
+          </p:nvPr>
+        </p:nvSpPr>
+        <p:spPr>
+          <a:xfrm>
+            <a:off x="685800" y="4343400"/>
+            <a:ext cx="5486400" cy="4114800"/>
+          </a:xfrm>
+          <a:prstGeom prst="rect">
+            <a:avLst/>
+          </a:prstGeom>
+        </p:spPr>
+        <p:txBody>
+          <a:bodyPr spcFirstLastPara="1" wrap="square" lIns="91425" tIns="91425" rIns="91425" bIns="91425" anchor="t" anchorCtr="0">
+            <a:noAutofit/>
+          </a:bodyPr>
+          <a:lstStyle/>
+          <a:p>
+            <a:pPr marL="0" lvl="0" indent="0" algn="l" rtl="0">
+              <a:spcBef>
+                <a:spcPts val="0"/>
+              </a:spcBef>
+              <a:spcAft>
+                <a:spcPts val="0"/>
+              </a:spcAft>
+              <a:buNone/>
+            </a:pPr>
+            <a:endParaRPr/>
+          </a:p>
+        </p:txBody>
+      </p:sp>
+    </p:spTree>
+    <p:extLst>
+      <p:ext uri="{BB962C8B-B14F-4D97-AF65-F5344CB8AC3E}">
+        <p14:creationId xmlns:p14="http://schemas.microsoft.com/office/powerpoint/2010/main" val="1159817327"/>
+      </p:ext>
+    </p:extLst>
+  </p:cSld>
+  <p:clrMapOvr>
+    <a:masterClrMapping/>
+  </p:clrMapOvr>
+</p:notes>
+</file>
+
+<file path=ppt/notesSlides/notesSlide17.xml><?xml version="1.0" encoding="utf-8"?>
+<p:notes xmlns:a="http://schemas.openxmlformats.org/drawingml/2006/main" xmlns:r="http://schemas.openxmlformats.org/officeDocument/2006/relationships" xmlns:p="http://schemas.openxmlformats.org/presentationml/2006/main" showMasterSp="0" showMasterPhAnim="0">
+  <p:cSld>
+    <p:spTree>
+      <p:nvGrpSpPr>
         <p:cNvPr id="1" name="Shape 303"/>
         <p:cNvGrpSpPr/>
         <p:nvPr/>
@@ -1626,113 +1734,9 @@
         </p:txBody>
       </p:sp>
     </p:spTree>
-  </p:cSld>
-  <p:clrMapOvr>
-    <a:masterClrMapping/>
-  </p:clrMapOvr>
-</p:notes>
-</file>
-
-<file path=ppt/notesSlides/notesSlide17.xml><?xml version="1.0" encoding="utf-8"?>
-<p:notes xmlns:a="http://schemas.openxmlformats.org/drawingml/2006/main" xmlns:r="http://schemas.openxmlformats.org/officeDocument/2006/relationships" xmlns:p="http://schemas.openxmlformats.org/presentationml/2006/main" showMasterSp="0" showMasterPhAnim="0">
-  <p:cSld>
-    <p:spTree>
-      <p:nvGrpSpPr>
-        <p:cNvPr id="1" name="Shape 261"/>
-        <p:cNvGrpSpPr/>
-        <p:nvPr/>
-      </p:nvGrpSpPr>
-      <p:grpSpPr>
-        <a:xfrm>
-          <a:off x="0" y="0"/>
-          <a:ext cx="0" cy="0"/>
-          <a:chOff x="0" y="0"/>
-          <a:chExt cx="0" cy="0"/>
-        </a:xfrm>
-      </p:grpSpPr>
-      <p:sp>
-        <p:nvSpPr>
-          <p:cNvPr id="262" name="Google Shape;262;gfd1541d378_0_560:notes"/>
-          <p:cNvSpPr>
-            <a:spLocks noGrp="1" noRot="1" noChangeAspect="1"/>
-          </p:cNvSpPr>
-          <p:nvPr>
-            <p:ph type="sldImg" idx="2"/>
-          </p:nvPr>
-        </p:nvSpPr>
-        <p:spPr>
-          <a:xfrm>
-            <a:off x="381000" y="685800"/>
-            <a:ext cx="6096000" cy="3429000"/>
-          </a:xfrm>
-          <a:custGeom>
-            <a:avLst/>
-            <a:gdLst/>
-            <a:ahLst/>
-            <a:cxnLst/>
-            <a:rect l="l" t="t" r="r" b="b"/>
-            <a:pathLst>
-              <a:path w="120000" h="120000" extrusionOk="0">
-                <a:moveTo>
-                  <a:pt x="0" y="0"/>
-                </a:moveTo>
-                <a:lnTo>
-                  <a:pt x="120000" y="0"/>
-                </a:lnTo>
-                <a:lnTo>
-                  <a:pt x="120000" y="120000"/>
-                </a:lnTo>
-                <a:lnTo>
-                  <a:pt x="0" y="120000"/>
-                </a:lnTo>
-                <a:close/>
-              </a:path>
-            </a:pathLst>
-          </a:custGeom>
-        </p:spPr>
-      </p:sp>
-      <p:sp>
-        <p:nvSpPr>
-          <p:cNvPr id="263" name="Google Shape;263;gfd1541d378_0_560:notes"/>
-          <p:cNvSpPr txBox="1">
-            <a:spLocks noGrp="1"/>
-          </p:cNvSpPr>
-          <p:nvPr>
-            <p:ph type="body" idx="1"/>
-          </p:nvPr>
-        </p:nvSpPr>
-        <p:spPr>
-          <a:xfrm>
-            <a:off x="685800" y="4343400"/>
-            <a:ext cx="5486400" cy="4114800"/>
-          </a:xfrm>
-          <a:prstGeom prst="rect">
-            <a:avLst/>
-          </a:prstGeom>
-        </p:spPr>
-        <p:txBody>
-          <a:bodyPr spcFirstLastPara="1" wrap="square" lIns="91425" tIns="91425" rIns="91425" bIns="91425" anchor="t" anchorCtr="0">
-            <a:noAutofit/>
-          </a:bodyPr>
-          <a:lstStyle/>
-          <a:p>
-            <a:pPr marL="0" lvl="0" indent="0" algn="l" rtl="0">
-              <a:spcBef>
-                <a:spcPts val="0"/>
-              </a:spcBef>
-              <a:spcAft>
-                <a:spcPts val="0"/>
-              </a:spcAft>
-              <a:buNone/>
-            </a:pPr>
-            <a:endParaRPr/>
-          </a:p>
-        </p:txBody>
-      </p:sp>
-    </p:spTree>
     <p:extLst>
       <p:ext uri="{BB962C8B-B14F-4D97-AF65-F5344CB8AC3E}">
-        <p14:creationId xmlns:p14="http://schemas.microsoft.com/office/powerpoint/2010/main" val="1159817327"/>
+        <p14:creationId xmlns:p14="http://schemas.microsoft.com/office/powerpoint/2010/main" val="3384823571"/>
       </p:ext>
     </p:extLst>
   </p:cSld>
@@ -1841,7 +1845,7 @@
     </p:spTree>
     <p:extLst>
       <p:ext uri="{BB962C8B-B14F-4D97-AF65-F5344CB8AC3E}">
-        <p14:creationId xmlns:p14="http://schemas.microsoft.com/office/powerpoint/2010/main" val="3384823571"/>
+        <p14:creationId xmlns:p14="http://schemas.microsoft.com/office/powerpoint/2010/main" val="4232699665"/>
       </p:ext>
     </p:extLst>
   </p:cSld>
@@ -1856,7 +1860,7 @@
   <p:cSld>
     <p:spTree>
       <p:nvGrpSpPr>
-        <p:cNvPr id="1" name="Shape 303"/>
+        <p:cNvPr id="1" name="Shape 502"/>
         <p:cNvGrpSpPr/>
         <p:nvPr/>
       </p:nvGrpSpPr>
@@ -1870,7 +1874,7 @@
       </p:grpSpPr>
       <p:sp>
         <p:nvSpPr>
-          <p:cNvPr id="304" name="Google Shape;304;g21e5c6e8e05_0_27340:notes"/>
+          <p:cNvPr id="503" name="Google Shape;503;g20f7af2584a_0_194:notes"/>
           <p:cNvSpPr>
             <a:spLocks noGrp="1" noRot="1" noChangeAspect="1"/>
           </p:cNvSpPr>
@@ -1911,7 +1915,7 @@
       </p:sp>
       <p:sp>
         <p:nvSpPr>
-          <p:cNvPr id="305" name="Google Shape;305;g21e5c6e8e05_0_27340:notes"/>
+          <p:cNvPr id="504" name="Google Shape;504;g20f7af2584a_0_194:notes"/>
           <p:cNvSpPr txBox="1">
             <a:spLocks noGrp="1"/>
           </p:cNvSpPr>
@@ -1950,7 +1954,7 @@
     </p:spTree>
     <p:extLst>
       <p:ext uri="{BB962C8B-B14F-4D97-AF65-F5344CB8AC3E}">
-        <p14:creationId xmlns:p14="http://schemas.microsoft.com/office/powerpoint/2010/main" val="4232699665"/>
+        <p14:creationId xmlns:p14="http://schemas.microsoft.com/office/powerpoint/2010/main" val="3897461378"/>
       </p:ext>
     </p:extLst>
   </p:cSld>
@@ -2069,115 +2073,6 @@
   <p:cSld>
     <p:spTree>
       <p:nvGrpSpPr>
-        <p:cNvPr id="1" name="Shape 502"/>
-        <p:cNvGrpSpPr/>
-        <p:nvPr/>
-      </p:nvGrpSpPr>
-      <p:grpSpPr>
-        <a:xfrm>
-          <a:off x="0" y="0"/>
-          <a:ext cx="0" cy="0"/>
-          <a:chOff x="0" y="0"/>
-          <a:chExt cx="0" cy="0"/>
-        </a:xfrm>
-      </p:grpSpPr>
-      <p:sp>
-        <p:nvSpPr>
-          <p:cNvPr id="503" name="Google Shape;503;g20f7af2584a_0_194:notes"/>
-          <p:cNvSpPr>
-            <a:spLocks noGrp="1" noRot="1" noChangeAspect="1"/>
-          </p:cNvSpPr>
-          <p:nvPr>
-            <p:ph type="sldImg" idx="2"/>
-          </p:nvPr>
-        </p:nvSpPr>
-        <p:spPr>
-          <a:xfrm>
-            <a:off x="381000" y="685800"/>
-            <a:ext cx="6096000" cy="3429000"/>
-          </a:xfrm>
-          <a:custGeom>
-            <a:avLst/>
-            <a:gdLst/>
-            <a:ahLst/>
-            <a:cxnLst/>
-            <a:rect l="l" t="t" r="r" b="b"/>
-            <a:pathLst>
-              <a:path w="120000" h="120000" extrusionOk="0">
-                <a:moveTo>
-                  <a:pt x="0" y="0"/>
-                </a:moveTo>
-                <a:lnTo>
-                  <a:pt x="120000" y="0"/>
-                </a:lnTo>
-                <a:lnTo>
-                  <a:pt x="120000" y="120000"/>
-                </a:lnTo>
-                <a:lnTo>
-                  <a:pt x="0" y="120000"/>
-                </a:lnTo>
-                <a:close/>
-              </a:path>
-            </a:pathLst>
-          </a:custGeom>
-        </p:spPr>
-      </p:sp>
-      <p:sp>
-        <p:nvSpPr>
-          <p:cNvPr id="504" name="Google Shape;504;g20f7af2584a_0_194:notes"/>
-          <p:cNvSpPr txBox="1">
-            <a:spLocks noGrp="1"/>
-          </p:cNvSpPr>
-          <p:nvPr>
-            <p:ph type="body" idx="1"/>
-          </p:nvPr>
-        </p:nvSpPr>
-        <p:spPr>
-          <a:xfrm>
-            <a:off x="685800" y="4343400"/>
-            <a:ext cx="5486400" cy="4114800"/>
-          </a:xfrm>
-          <a:prstGeom prst="rect">
-            <a:avLst/>
-          </a:prstGeom>
-        </p:spPr>
-        <p:txBody>
-          <a:bodyPr spcFirstLastPara="1" wrap="square" lIns="91425" tIns="91425" rIns="91425" bIns="91425" anchor="t" anchorCtr="0">
-            <a:noAutofit/>
-          </a:bodyPr>
-          <a:lstStyle/>
-          <a:p>
-            <a:pPr marL="0" lvl="0" indent="0" algn="l" rtl="0">
-              <a:spcBef>
-                <a:spcPts val="0"/>
-              </a:spcBef>
-              <a:spcAft>
-                <a:spcPts val="0"/>
-              </a:spcAft>
-              <a:buNone/>
-            </a:pPr>
-            <a:endParaRPr/>
-          </a:p>
-        </p:txBody>
-      </p:sp>
-    </p:spTree>
-    <p:extLst>
-      <p:ext uri="{BB962C8B-B14F-4D97-AF65-F5344CB8AC3E}">
-        <p14:creationId xmlns:p14="http://schemas.microsoft.com/office/powerpoint/2010/main" val="3897461378"/>
-      </p:ext>
-    </p:extLst>
-  </p:cSld>
-  <p:clrMapOvr>
-    <a:masterClrMapping/>
-  </p:clrMapOvr>
-</p:notes>
-</file>
-
-<file path=ppt/notesSlides/notesSlide21.xml><?xml version="1.0" encoding="utf-8"?>
-<p:notes xmlns:a="http://schemas.openxmlformats.org/drawingml/2006/main" xmlns:r="http://schemas.openxmlformats.org/officeDocument/2006/relationships" xmlns:p="http://schemas.openxmlformats.org/presentationml/2006/main" showMasterSp="0" showMasterPhAnim="0">
-  <p:cSld>
-    <p:spTree>
-      <p:nvGrpSpPr>
         <p:cNvPr id="1" name="Shape 303"/>
         <p:cNvGrpSpPr/>
         <p:nvPr/>
@@ -2282,7 +2177,7 @@
 </p:notes>
 </file>
 
-<file path=ppt/notesSlides/notesSlide22.xml><?xml version="1.0" encoding="utf-8"?>
+<file path=ppt/notesSlides/notesSlide21.xml><?xml version="1.0" encoding="utf-8"?>
 <p:notes xmlns:a="http://schemas.openxmlformats.org/drawingml/2006/main" xmlns:r="http://schemas.openxmlformats.org/officeDocument/2006/relationships" xmlns:p="http://schemas.openxmlformats.org/presentationml/2006/main" showMasterSp="0" showMasterPhAnim="0">
   <p:cSld>
     <p:spTree>
@@ -17636,303 +17531,6 @@
   <p:cSld>
     <p:spTree>
       <p:nvGrpSpPr>
-        <p:cNvPr id="1" name="Shape 306"/>
-        <p:cNvGrpSpPr/>
-        <p:nvPr/>
-      </p:nvGrpSpPr>
-      <p:grpSpPr>
-        <a:xfrm>
-          <a:off x="0" y="0"/>
-          <a:ext cx="0" cy="0"/>
-          <a:chOff x="0" y="0"/>
-          <a:chExt cx="0" cy="0"/>
-        </a:xfrm>
-      </p:grpSpPr>
-      <p:sp>
-        <p:nvSpPr>
-          <p:cNvPr id="307" name="Google Shape;307;p34"/>
-          <p:cNvSpPr txBox="1">
-            <a:spLocks noGrp="1"/>
-          </p:cNvSpPr>
-          <p:nvPr>
-            <p:ph type="title" idx="8"/>
-          </p:nvPr>
-        </p:nvSpPr>
-        <p:spPr>
-          <a:xfrm>
-            <a:off x="719988" y="459128"/>
-            <a:ext cx="7704000" cy="572700"/>
-          </a:xfrm>
-          <a:prstGeom prst="rect">
-            <a:avLst/>
-          </a:prstGeom>
-        </p:spPr>
-        <p:txBody>
-          <a:bodyPr spcFirstLastPara="1" wrap="square" lIns="91425" tIns="91425" rIns="91425" bIns="91425" anchor="t" anchorCtr="0">
-            <a:noAutofit/>
-          </a:bodyPr>
-          <a:lstStyle/>
-          <a:p>
-            <a:pPr algn="ctr"/>
-            <a:r>
-              <a:rPr lang="en" dirty="0">
-                <a:solidFill>
-                  <a:schemeClr val="accent1"/>
-                </a:solidFill>
-              </a:rPr>
-              <a:t>&lt;/</a:t>
-            </a:r>
-            <a:r>
-              <a:rPr lang="en" dirty="0">
-                <a:solidFill>
-                  <a:schemeClr val="accent2"/>
-                </a:solidFill>
-              </a:rPr>
-              <a:t> </a:t>
-            </a:r>
-            <a:r>
-              <a:rPr lang="es-BO" sz="1800" kern="100" dirty="0">
-                <a:effectLst/>
-                <a:latin typeface="Calibri" panose="020F0502020204030204" pitchFamily="34" charset="0"/>
-                <a:ea typeface="Calibri" panose="020F0502020204030204" pitchFamily="34" charset="0"/>
-                <a:cs typeface="Times New Roman" panose="02020603050405020304" pitchFamily="18" charset="0"/>
-              </a:rPr>
-              <a:t>Tomamos un ejemplo de como aplicar algunos Patrones UI en una “Plataforma de Cursos”:</a:t>
-            </a:r>
-            <a:br>
-              <a:rPr lang="es-BO" sz="1800" kern="100" dirty="0">
-                <a:effectLst/>
-                <a:latin typeface="Calibri" panose="020F0502020204030204" pitchFamily="34" charset="0"/>
-                <a:ea typeface="Calibri" panose="020F0502020204030204" pitchFamily="34" charset="0"/>
-                <a:cs typeface="Times New Roman" panose="02020603050405020304" pitchFamily="18" charset="0"/>
-              </a:rPr>
-            </a:br>
-            <a:endParaRPr dirty="0"/>
-          </a:p>
-        </p:txBody>
-      </p:sp>
-      <p:sp>
-        <p:nvSpPr>
-          <p:cNvPr id="308" name="Google Shape;308;p34"/>
-          <p:cNvSpPr txBox="1">
-            <a:spLocks noGrp="1"/>
-          </p:cNvSpPr>
-          <p:nvPr>
-            <p:ph type="title"/>
-          </p:nvPr>
-        </p:nvSpPr>
-        <p:spPr>
-          <a:xfrm>
-            <a:off x="717350" y="1806313"/>
-            <a:ext cx="3728400" cy="405900"/>
-          </a:xfrm>
-          <a:prstGeom prst="rect">
-            <a:avLst/>
-          </a:prstGeom>
-        </p:spPr>
-        <p:txBody>
-          <a:bodyPr spcFirstLastPara="1" wrap="square" lIns="91425" tIns="91425" rIns="91425" bIns="91425" anchor="b" anchorCtr="0">
-            <a:noAutofit/>
-          </a:bodyPr>
-          <a:lstStyle/>
-          <a:p>
-            <a:pPr>
-              <a:lnSpc>
-                <a:spcPct val="115000"/>
-              </a:lnSpc>
-              <a:spcAft>
-                <a:spcPts val="800"/>
-              </a:spcAft>
-            </a:pPr>
-            <a:r>
-              <a:rPr lang="es-BO" sz="1800" b="1" kern="100" dirty="0">
-                <a:effectLst/>
-                <a:latin typeface="Calibri" panose="020F0502020204030204" pitchFamily="34" charset="0"/>
-                <a:ea typeface="Calibri" panose="020F0502020204030204" pitchFamily="34" charset="0"/>
-                <a:cs typeface="Times New Roman" panose="02020603050405020304" pitchFamily="18" charset="0"/>
-              </a:rPr>
-              <a:t>Ejemplo: Patrón de Tarjetas (</a:t>
-            </a:r>
-            <a:r>
-              <a:rPr lang="es-BO" sz="1800" b="1" kern="100" dirty="0" err="1">
-                <a:effectLst/>
-                <a:latin typeface="Calibri" panose="020F0502020204030204" pitchFamily="34" charset="0"/>
-                <a:ea typeface="Calibri" panose="020F0502020204030204" pitchFamily="34" charset="0"/>
-                <a:cs typeface="Times New Roman" panose="02020603050405020304" pitchFamily="18" charset="0"/>
-              </a:rPr>
-              <a:t>Cards</a:t>
-            </a:r>
-            <a:r>
-              <a:rPr lang="es-BO" sz="1800" b="1" kern="100" dirty="0">
-                <a:effectLst/>
-                <a:latin typeface="Calibri" panose="020F0502020204030204" pitchFamily="34" charset="0"/>
-                <a:ea typeface="Calibri" panose="020F0502020204030204" pitchFamily="34" charset="0"/>
-                <a:cs typeface="Times New Roman" panose="02020603050405020304" pitchFamily="18" charset="0"/>
-              </a:rPr>
-              <a:t>).</a:t>
-            </a:r>
-            <a:endParaRPr lang="es-BO" sz="1800" kern="100" dirty="0">
-              <a:effectLst/>
-              <a:latin typeface="Calibri" panose="020F0502020204030204" pitchFamily="34" charset="0"/>
-              <a:ea typeface="Calibri" panose="020F0502020204030204" pitchFamily="34" charset="0"/>
-              <a:cs typeface="Times New Roman" panose="02020603050405020304" pitchFamily="18" charset="0"/>
-            </a:endParaRPr>
-          </a:p>
-        </p:txBody>
-      </p:sp>
-      <p:sp>
-        <p:nvSpPr>
-          <p:cNvPr id="309" name="Google Shape;309;p34"/>
-          <p:cNvSpPr txBox="1">
-            <a:spLocks noGrp="1"/>
-          </p:cNvSpPr>
-          <p:nvPr>
-            <p:ph type="subTitle" idx="1"/>
-          </p:nvPr>
-        </p:nvSpPr>
-        <p:spPr>
-          <a:xfrm>
-            <a:off x="494066" y="1956391"/>
-            <a:ext cx="4790316" cy="2541181"/>
-          </a:xfrm>
-          <a:prstGeom prst="rect">
-            <a:avLst/>
-          </a:prstGeom>
-        </p:spPr>
-        <p:txBody>
-          <a:bodyPr spcFirstLastPara="1" wrap="square" lIns="91425" tIns="91425" rIns="91425" bIns="91425" anchor="t" anchorCtr="0">
-            <a:noAutofit/>
-          </a:bodyPr>
-          <a:lstStyle/>
-          <a:p>
-            <a:pPr marL="0" lvl="0" indent="0" algn="l" rtl="0">
-              <a:spcBef>
-                <a:spcPts val="0"/>
-              </a:spcBef>
-              <a:spcAft>
-                <a:spcPts val="0"/>
-              </a:spcAft>
-              <a:buNone/>
-            </a:pPr>
-            <a:endParaRPr lang="es-419" dirty="0"/>
-          </a:p>
-          <a:p>
-            <a:pPr marL="0" indent="0" algn="just"/>
-            <a:r>
-              <a:rPr lang="es-BO" sz="1800" kern="100" dirty="0">
-                <a:solidFill>
-                  <a:schemeClr val="tx1"/>
-                </a:solidFill>
-                <a:effectLst/>
-                <a:latin typeface="Calibri" panose="020F0502020204030204" pitchFamily="34" charset="0"/>
-                <a:ea typeface="Calibri" panose="020F0502020204030204" pitchFamily="34" charset="0"/>
-                <a:cs typeface="Times New Roman" panose="02020603050405020304" pitchFamily="18" charset="0"/>
-              </a:rPr>
-              <a:t>Descripción: En la página principal de la plataforma de cursos en línea, se utiliza el patrón de diseño de Tarjetas (</a:t>
-            </a:r>
-            <a:r>
-              <a:rPr lang="es-BO" sz="1800" kern="100" dirty="0" err="1">
-                <a:solidFill>
-                  <a:schemeClr val="tx1"/>
-                </a:solidFill>
-                <a:effectLst/>
-                <a:latin typeface="Calibri" panose="020F0502020204030204" pitchFamily="34" charset="0"/>
-                <a:ea typeface="Calibri" panose="020F0502020204030204" pitchFamily="34" charset="0"/>
-                <a:cs typeface="Times New Roman" panose="02020603050405020304" pitchFamily="18" charset="0"/>
-              </a:rPr>
-              <a:t>Cards</a:t>
-            </a:r>
-            <a:r>
-              <a:rPr lang="es-BO" sz="1800" kern="100" dirty="0">
-                <a:solidFill>
-                  <a:schemeClr val="tx1"/>
-                </a:solidFill>
-                <a:effectLst/>
-                <a:latin typeface="Calibri" panose="020F0502020204030204" pitchFamily="34" charset="0"/>
-                <a:ea typeface="Calibri" panose="020F0502020204030204" pitchFamily="34" charset="0"/>
-                <a:cs typeface="Times New Roman" panose="02020603050405020304" pitchFamily="18" charset="0"/>
-              </a:rPr>
-              <a:t>) para mostrar los diferentes cursos disponibles. Cada tarjeta representa un curso específico y muestra información relevante como el título del curso, la duración, el nivel de dificultad y una imagen ilustrativa.</a:t>
-            </a:r>
-          </a:p>
-          <a:p>
-            <a:pPr marL="0" lvl="0" indent="0" algn="l" rtl="0">
-              <a:spcBef>
-                <a:spcPts val="0"/>
-              </a:spcBef>
-              <a:spcAft>
-                <a:spcPts val="0"/>
-              </a:spcAft>
-              <a:buNone/>
-            </a:pPr>
-            <a:endParaRPr dirty="0"/>
-          </a:p>
-        </p:txBody>
-      </p:sp>
-      <p:pic>
-        <p:nvPicPr>
-          <p:cNvPr id="23" name="Imagen 22">
-            <a:extLst>
-              <a:ext uri="{FF2B5EF4-FFF2-40B4-BE49-F238E27FC236}">
-                <a16:creationId xmlns:a16="http://schemas.microsoft.com/office/drawing/2014/main" id="{9DAA365E-A23B-46C7-BF7D-4D449AEE12BD}"/>
-              </a:ext>
-            </a:extLst>
-          </p:cNvPr>
-          <p:cNvPicPr/>
-          <p:nvPr/>
-        </p:nvPicPr>
-        <p:blipFill rotWithShape="1">
-          <a:blip r:embed="rId3">
-            <a:extLst>
-              <a:ext uri="{28A0092B-C50C-407E-A947-70E740481C1C}">
-                <a14:useLocalDpi xmlns:a14="http://schemas.microsoft.com/office/drawing/2010/main" val="0"/>
-              </a:ext>
-            </a:extLst>
-          </a:blip>
-          <a:srcRect b="7585"/>
-          <a:stretch/>
-        </p:blipFill>
-        <p:spPr bwMode="auto">
-          <a:xfrm>
-            <a:off x="5638258" y="2212213"/>
-            <a:ext cx="2785730" cy="1850065"/>
-          </a:xfrm>
-          <a:prstGeom prst="roundRect">
-            <a:avLst>
-              <a:gd name="adj" fmla="val 8594"/>
-            </a:avLst>
-          </a:prstGeom>
-          <a:solidFill>
-            <a:srgbClr val="FFFFFF">
-              <a:shade val="85000"/>
-            </a:srgbClr>
-          </a:solidFill>
-          <a:ln>
-            <a:noFill/>
-          </a:ln>
-          <a:effectLst>
-            <a:reflection blurRad="12700" stA="38000" endPos="28000" dist="5000" dir="5400000" sy="-100000" algn="bl" rotWithShape="0"/>
-          </a:effectLst>
-          <a:extLst>
-            <a:ext uri="{53640926-AAD7-44D8-BBD7-CCE9431645EC}">
-              <a14:shadowObscured xmlns:a14="http://schemas.microsoft.com/office/drawing/2010/main"/>
-            </a:ext>
-          </a:extLst>
-        </p:spPr>
-      </p:pic>
-    </p:spTree>
-  </p:cSld>
-  <p:clrMapOvr>
-    <a:masterClrMapping/>
-  </p:clrMapOvr>
-</p:sld>
-</file>
-
-<file path=ppt/slides/slide17.xml><?xml version="1.0" encoding="utf-8"?>
-<p:sld xmlns:a="http://schemas.openxmlformats.org/drawingml/2006/main" xmlns:r="http://schemas.openxmlformats.org/officeDocument/2006/relationships" xmlns:p="http://schemas.openxmlformats.org/presentationml/2006/main">
-  <p:cSld>
-    <p:spTree>
-      <p:nvGrpSpPr>
         <p:cNvPr id="1" name="Shape 264"/>
         <p:cNvGrpSpPr/>
         <p:nvPr/>
@@ -18628,7 +18226,7 @@
 </p:sld>
 </file>
 
-<file path=ppt/slides/slide18.xml><?xml version="1.0" encoding="utf-8"?>
+<file path=ppt/slides/slide17.xml><?xml version="1.0" encoding="utf-8"?>
 <p:sld xmlns:a="http://schemas.openxmlformats.org/drawingml/2006/main" xmlns:r="http://schemas.openxmlformats.org/officeDocument/2006/relationships" xmlns:p="http://schemas.openxmlformats.org/presentationml/2006/main">
   <p:cSld>
     <p:spTree>
@@ -18818,7 +18416,7 @@
 </p:sld>
 </file>
 
-<file path=ppt/slides/slide19.xml><?xml version="1.0" encoding="utf-8"?>
+<file path=ppt/slides/slide18.xml><?xml version="1.0" encoding="utf-8"?>
 <p:sld xmlns:a="http://schemas.openxmlformats.org/drawingml/2006/main" xmlns:r="http://schemas.openxmlformats.org/officeDocument/2006/relationships" xmlns:p="http://schemas.openxmlformats.org/presentationml/2006/main">
   <p:cSld>
     <p:spTree>
@@ -19074,6 +18672,196 @@
     <p:extLst>
       <p:ext uri="{BB962C8B-B14F-4D97-AF65-F5344CB8AC3E}">
         <p14:creationId xmlns:p14="http://schemas.microsoft.com/office/powerpoint/2010/main" val="2050011768"/>
+      </p:ext>
+    </p:extLst>
+  </p:cSld>
+  <p:clrMapOvr>
+    <a:masterClrMapping/>
+  </p:clrMapOvr>
+</p:sld>
+</file>
+
+<file path=ppt/slides/slide19.xml><?xml version="1.0" encoding="utf-8"?>
+<p:sld xmlns:a="http://schemas.openxmlformats.org/drawingml/2006/main" xmlns:r="http://schemas.openxmlformats.org/officeDocument/2006/relationships" xmlns:p="http://schemas.openxmlformats.org/presentationml/2006/main">
+  <p:cSld>
+    <p:spTree>
+      <p:nvGrpSpPr>
+        <p:cNvPr id="1" name="Shape 505"/>
+        <p:cNvGrpSpPr/>
+        <p:nvPr/>
+      </p:nvGrpSpPr>
+      <p:grpSpPr>
+        <a:xfrm>
+          <a:off x="0" y="0"/>
+          <a:ext cx="0" cy="0"/>
+          <a:chOff x="0" y="0"/>
+          <a:chExt cx="0" cy="0"/>
+        </a:xfrm>
+      </p:grpSpPr>
+      <p:sp>
+        <p:nvSpPr>
+          <p:cNvPr id="507" name="Google Shape;507;p43"/>
+          <p:cNvSpPr txBox="1"/>
+          <p:nvPr/>
+        </p:nvSpPr>
+        <p:spPr>
+          <a:xfrm>
+            <a:off x="3019647" y="1031828"/>
+            <a:ext cx="5635255" cy="3412581"/>
+          </a:xfrm>
+          <a:prstGeom prst="rect">
+            <a:avLst/>
+          </a:prstGeom>
+          <a:noFill/>
+          <a:ln>
+            <a:noFill/>
+          </a:ln>
+        </p:spPr>
+        <p:txBody>
+          <a:bodyPr spcFirstLastPara="1" wrap="square" lIns="91425" tIns="91425" rIns="91425" bIns="91425" anchor="t" anchorCtr="0">
+            <a:noAutofit/>
+          </a:bodyPr>
+          <a:lstStyle/>
+          <a:p>
+            <a:pPr lvl="0" algn="just">
+              <a:lnSpc>
+                <a:spcPct val="115000"/>
+              </a:lnSpc>
+              <a:spcAft>
+                <a:spcPts val="800"/>
+              </a:spcAft>
+            </a:pPr>
+            <a:r>
+              <a:rPr lang="es-BO" sz="1800" dirty="0">
+                <a:solidFill>
+                  <a:schemeClr val="tx1"/>
+                </a:solidFill>
+                <a:effectLst/>
+                <a:latin typeface="Calibri" panose="020F0502020204030204" pitchFamily="34" charset="0"/>
+                <a:ea typeface="Calibri" panose="020F0502020204030204" pitchFamily="34" charset="0"/>
+                <a:cs typeface="Times New Roman" panose="02020603050405020304" pitchFamily="18" charset="0"/>
+              </a:rPr>
+              <a:t>Los patrones de diseño de interfaz de usuario (UI) son herramientas valiosas en el diseño de interfaces efectivas y satisfactorias. Proporcionan soluciones probadas y pautas para problemas comunes en el diseño de interfaces, lo que resulta en interfaces más intuitivas, coherentes y atractivas. </a:t>
+            </a:r>
+          </a:p>
+          <a:p>
+            <a:pPr lvl="0" algn="just">
+              <a:lnSpc>
+                <a:spcPct val="115000"/>
+              </a:lnSpc>
+              <a:spcAft>
+                <a:spcPts val="800"/>
+              </a:spcAft>
+            </a:pPr>
+            <a:r>
+              <a:rPr lang="es-BO" sz="1800" dirty="0">
+                <a:solidFill>
+                  <a:schemeClr val="tx1"/>
+                </a:solidFill>
+                <a:effectLst/>
+                <a:latin typeface="Calibri" panose="020F0502020204030204" pitchFamily="34" charset="0"/>
+                <a:ea typeface="Calibri" panose="020F0502020204030204" pitchFamily="34" charset="0"/>
+                <a:cs typeface="Times New Roman" panose="02020603050405020304" pitchFamily="18" charset="0"/>
+              </a:rPr>
+              <a:t>Además de que nos da la facilidad de no reinventar la rueda sino reutilizar componentes ya probados por expertos hace que el trabajo sea más eficaz y eficiente a la hora de desarrollar interfaces de usuario. </a:t>
+            </a:r>
+            <a:endParaRPr lang="es-BO" sz="2000" kern="100" dirty="0">
+              <a:solidFill>
+                <a:schemeClr val="tx1"/>
+              </a:solidFill>
+              <a:effectLst/>
+              <a:latin typeface="Calibri" panose="020F0502020204030204" pitchFamily="34" charset="0"/>
+              <a:ea typeface="Calibri" panose="020F0502020204030204" pitchFamily="34" charset="0"/>
+              <a:cs typeface="Times New Roman" panose="02020603050405020304" pitchFamily="18" charset="0"/>
+            </a:endParaRPr>
+          </a:p>
+        </p:txBody>
+      </p:sp>
+      <p:sp>
+        <p:nvSpPr>
+          <p:cNvPr id="512" name="Google Shape;512;p43"/>
+          <p:cNvSpPr txBox="1">
+            <a:spLocks noGrp="1"/>
+          </p:cNvSpPr>
+          <p:nvPr>
+            <p:ph type="title"/>
+          </p:nvPr>
+        </p:nvSpPr>
+        <p:spPr>
+          <a:xfrm>
+            <a:off x="719988" y="459128"/>
+            <a:ext cx="7704000" cy="572700"/>
+          </a:xfrm>
+          <a:prstGeom prst="rect">
+            <a:avLst/>
+          </a:prstGeom>
+        </p:spPr>
+        <p:txBody>
+          <a:bodyPr spcFirstLastPara="1" wrap="square" lIns="91425" tIns="91425" rIns="91425" bIns="91425" anchor="t" anchorCtr="0">
+            <a:noAutofit/>
+          </a:bodyPr>
+          <a:lstStyle/>
+          <a:p>
+            <a:r>
+              <a:rPr lang="en" dirty="0">
+                <a:solidFill>
+                  <a:schemeClr val="accent2"/>
+                </a:solidFill>
+              </a:rPr>
+              <a:t>&lt;/ CONCLUCIONES</a:t>
+            </a:r>
+            <a:br>
+              <a:rPr lang="es-BO" sz="1800" kern="100" dirty="0">
+                <a:effectLst/>
+                <a:latin typeface="Calibri" panose="020F0502020204030204" pitchFamily="34" charset="0"/>
+                <a:ea typeface="Calibri" panose="020F0502020204030204" pitchFamily="34" charset="0"/>
+                <a:cs typeface="Times New Roman" panose="02020603050405020304" pitchFamily="18" charset="0"/>
+              </a:rPr>
+            </a:br>
+            <a:endParaRPr dirty="0"/>
+          </a:p>
+        </p:txBody>
+      </p:sp>
+      <p:pic>
+        <p:nvPicPr>
+          <p:cNvPr id="4" name="Imagen 3">
+            <a:extLst>
+              <a:ext uri="{FF2B5EF4-FFF2-40B4-BE49-F238E27FC236}">
+                <a16:creationId xmlns:a16="http://schemas.microsoft.com/office/drawing/2014/main" id="{05030D51-C6B4-45AD-93BB-E6CAF00D6DBB}"/>
+              </a:ext>
+            </a:extLst>
+          </p:cNvPr>
+          <p:cNvPicPr>
+            <a:picLocks noChangeAspect="1"/>
+          </p:cNvPicPr>
+          <p:nvPr/>
+        </p:nvPicPr>
+        <p:blipFill>
+          <a:blip r:embed="rId3"/>
+          <a:stretch>
+            <a:fillRect/>
+          </a:stretch>
+        </p:blipFill>
+        <p:spPr>
+          <a:xfrm>
+            <a:off x="719988" y="1204379"/>
+            <a:ext cx="2200582" cy="3067478"/>
+          </a:xfrm>
+          <a:prstGeom prst="rect">
+            <a:avLst/>
+          </a:prstGeom>
+          <a:ln>
+            <a:noFill/>
+          </a:ln>
+          <a:effectLst>
+            <a:softEdge rad="112500"/>
+          </a:effectLst>
+        </p:spPr>
+      </p:pic>
+    </p:spTree>
+    <p:extLst>
+      <p:ext uri="{BB962C8B-B14F-4D97-AF65-F5344CB8AC3E}">
+        <p14:creationId xmlns:p14="http://schemas.microsoft.com/office/powerpoint/2010/main" val="3173358424"/>
       </p:ext>
     </p:extLst>
   </p:cSld>
@@ -19475,196 +19263,6 @@
   <p:cSld>
     <p:spTree>
       <p:nvGrpSpPr>
-        <p:cNvPr id="1" name="Shape 505"/>
-        <p:cNvGrpSpPr/>
-        <p:nvPr/>
-      </p:nvGrpSpPr>
-      <p:grpSpPr>
-        <a:xfrm>
-          <a:off x="0" y="0"/>
-          <a:ext cx="0" cy="0"/>
-          <a:chOff x="0" y="0"/>
-          <a:chExt cx="0" cy="0"/>
-        </a:xfrm>
-      </p:grpSpPr>
-      <p:sp>
-        <p:nvSpPr>
-          <p:cNvPr id="507" name="Google Shape;507;p43"/>
-          <p:cNvSpPr txBox="1"/>
-          <p:nvPr/>
-        </p:nvSpPr>
-        <p:spPr>
-          <a:xfrm>
-            <a:off x="3019647" y="1031828"/>
-            <a:ext cx="5635255" cy="3412581"/>
-          </a:xfrm>
-          <a:prstGeom prst="rect">
-            <a:avLst/>
-          </a:prstGeom>
-          <a:noFill/>
-          <a:ln>
-            <a:noFill/>
-          </a:ln>
-        </p:spPr>
-        <p:txBody>
-          <a:bodyPr spcFirstLastPara="1" wrap="square" lIns="91425" tIns="91425" rIns="91425" bIns="91425" anchor="t" anchorCtr="0">
-            <a:noAutofit/>
-          </a:bodyPr>
-          <a:lstStyle/>
-          <a:p>
-            <a:pPr lvl="0" algn="just">
-              <a:lnSpc>
-                <a:spcPct val="115000"/>
-              </a:lnSpc>
-              <a:spcAft>
-                <a:spcPts val="800"/>
-              </a:spcAft>
-            </a:pPr>
-            <a:r>
-              <a:rPr lang="es-BO" sz="1800" dirty="0">
-                <a:solidFill>
-                  <a:schemeClr val="tx1"/>
-                </a:solidFill>
-                <a:effectLst/>
-                <a:latin typeface="Calibri" panose="020F0502020204030204" pitchFamily="34" charset="0"/>
-                <a:ea typeface="Calibri" panose="020F0502020204030204" pitchFamily="34" charset="0"/>
-                <a:cs typeface="Times New Roman" panose="02020603050405020304" pitchFamily="18" charset="0"/>
-              </a:rPr>
-              <a:t>Los patrones de diseño de interfaz de usuario (UI) son herramientas valiosas en el diseño de interfaces efectivas y satisfactorias. Proporcionan soluciones probadas y pautas para problemas comunes en el diseño de interfaces, lo que resulta en interfaces más intuitivas, coherentes y atractivas. </a:t>
-            </a:r>
-          </a:p>
-          <a:p>
-            <a:pPr lvl="0" algn="just">
-              <a:lnSpc>
-                <a:spcPct val="115000"/>
-              </a:lnSpc>
-              <a:spcAft>
-                <a:spcPts val="800"/>
-              </a:spcAft>
-            </a:pPr>
-            <a:r>
-              <a:rPr lang="es-BO" sz="1800" dirty="0">
-                <a:solidFill>
-                  <a:schemeClr val="tx1"/>
-                </a:solidFill>
-                <a:effectLst/>
-                <a:latin typeface="Calibri" panose="020F0502020204030204" pitchFamily="34" charset="0"/>
-                <a:ea typeface="Calibri" panose="020F0502020204030204" pitchFamily="34" charset="0"/>
-                <a:cs typeface="Times New Roman" panose="02020603050405020304" pitchFamily="18" charset="0"/>
-              </a:rPr>
-              <a:t>Además de que nos da la facilidad de no reinventar la rueda sino reutilizar componentes ya probados por expertos hace que el trabajo sea más eficaz y eficiente a la hora de desarrollar interfaces de usuario. </a:t>
-            </a:r>
-            <a:endParaRPr lang="es-BO" sz="2000" kern="100" dirty="0">
-              <a:solidFill>
-                <a:schemeClr val="tx1"/>
-              </a:solidFill>
-              <a:effectLst/>
-              <a:latin typeface="Calibri" panose="020F0502020204030204" pitchFamily="34" charset="0"/>
-              <a:ea typeface="Calibri" panose="020F0502020204030204" pitchFamily="34" charset="0"/>
-              <a:cs typeface="Times New Roman" panose="02020603050405020304" pitchFamily="18" charset="0"/>
-            </a:endParaRPr>
-          </a:p>
-        </p:txBody>
-      </p:sp>
-      <p:sp>
-        <p:nvSpPr>
-          <p:cNvPr id="512" name="Google Shape;512;p43"/>
-          <p:cNvSpPr txBox="1">
-            <a:spLocks noGrp="1"/>
-          </p:cNvSpPr>
-          <p:nvPr>
-            <p:ph type="title"/>
-          </p:nvPr>
-        </p:nvSpPr>
-        <p:spPr>
-          <a:xfrm>
-            <a:off x="719988" y="459128"/>
-            <a:ext cx="7704000" cy="572700"/>
-          </a:xfrm>
-          <a:prstGeom prst="rect">
-            <a:avLst/>
-          </a:prstGeom>
-        </p:spPr>
-        <p:txBody>
-          <a:bodyPr spcFirstLastPara="1" wrap="square" lIns="91425" tIns="91425" rIns="91425" bIns="91425" anchor="t" anchorCtr="0">
-            <a:noAutofit/>
-          </a:bodyPr>
-          <a:lstStyle/>
-          <a:p>
-            <a:r>
-              <a:rPr lang="en" dirty="0">
-                <a:solidFill>
-                  <a:schemeClr val="accent2"/>
-                </a:solidFill>
-              </a:rPr>
-              <a:t>&lt;/ CONCLUCIONES</a:t>
-            </a:r>
-            <a:br>
-              <a:rPr lang="es-BO" sz="1800" kern="100" dirty="0">
-                <a:effectLst/>
-                <a:latin typeface="Calibri" panose="020F0502020204030204" pitchFamily="34" charset="0"/>
-                <a:ea typeface="Calibri" panose="020F0502020204030204" pitchFamily="34" charset="0"/>
-                <a:cs typeface="Times New Roman" panose="02020603050405020304" pitchFamily="18" charset="0"/>
-              </a:rPr>
-            </a:br>
-            <a:endParaRPr dirty="0"/>
-          </a:p>
-        </p:txBody>
-      </p:sp>
-      <p:pic>
-        <p:nvPicPr>
-          <p:cNvPr id="4" name="Imagen 3">
-            <a:extLst>
-              <a:ext uri="{FF2B5EF4-FFF2-40B4-BE49-F238E27FC236}">
-                <a16:creationId xmlns:a16="http://schemas.microsoft.com/office/drawing/2014/main" id="{05030D51-C6B4-45AD-93BB-E6CAF00D6DBB}"/>
-              </a:ext>
-            </a:extLst>
-          </p:cNvPr>
-          <p:cNvPicPr>
-            <a:picLocks noChangeAspect="1"/>
-          </p:cNvPicPr>
-          <p:nvPr/>
-        </p:nvPicPr>
-        <p:blipFill>
-          <a:blip r:embed="rId3"/>
-          <a:stretch>
-            <a:fillRect/>
-          </a:stretch>
-        </p:blipFill>
-        <p:spPr>
-          <a:xfrm>
-            <a:off x="719988" y="1204379"/>
-            <a:ext cx="2200582" cy="3067478"/>
-          </a:xfrm>
-          <a:prstGeom prst="rect">
-            <a:avLst/>
-          </a:prstGeom>
-          <a:ln>
-            <a:noFill/>
-          </a:ln>
-          <a:effectLst>
-            <a:softEdge rad="112500"/>
-          </a:effectLst>
-        </p:spPr>
-      </p:pic>
-    </p:spTree>
-    <p:extLst>
-      <p:ext uri="{BB962C8B-B14F-4D97-AF65-F5344CB8AC3E}">
-        <p14:creationId xmlns:p14="http://schemas.microsoft.com/office/powerpoint/2010/main" val="3173358424"/>
-      </p:ext>
-    </p:extLst>
-  </p:cSld>
-  <p:clrMapOvr>
-    <a:masterClrMapping/>
-  </p:clrMapOvr>
-</p:sld>
-</file>
-
-<file path=ppt/slides/slide21.xml><?xml version="1.0" encoding="utf-8"?>
-<p:sld xmlns:a="http://schemas.openxmlformats.org/drawingml/2006/main" xmlns:r="http://schemas.openxmlformats.org/officeDocument/2006/relationships" xmlns:p="http://schemas.openxmlformats.org/presentationml/2006/main">
-  <p:cSld>
-    <p:spTree>
-      <p:nvGrpSpPr>
         <p:cNvPr id="1" name="Shape 306"/>
         <p:cNvGrpSpPr/>
         <p:nvPr/>
@@ -19849,7 +19447,7 @@
 </p:sld>
 </file>
 
-<file path=ppt/slides/slide22.xml><?xml version="1.0" encoding="utf-8"?>
+<file path=ppt/slides/slide21.xml><?xml version="1.0" encoding="utf-8"?>
 <p:sld xmlns:a="http://schemas.openxmlformats.org/drawingml/2006/main" xmlns:r="http://schemas.openxmlformats.org/officeDocument/2006/relationships" xmlns:p="http://schemas.openxmlformats.org/presentationml/2006/main">
   <p:cSld>
     <p:spTree>
